--- a/Residual Networks/ResidualNetworks-Slides.pptx
+++ b/Residual Networks/ResidualNetworks-Slides.pptx
@@ -800,17 +800,70 @@
           </a:bodyPr>
           <a:lstStyle/>
           <a:p>
-            <a:pPr indent="0" lvl="0" marL="0" rtl="0" algn="l">
-              <a:spcBef>
-                <a:spcPts val="0"/>
-              </a:spcBef>
-              <a:spcAft>
-                <a:spcPts val="0"/>
-              </a:spcAft>
-              <a:buNone/>
+            <a:pPr indent="-298450" lvl="0" marL="457200" rtl="0" algn="l">
+              <a:spcBef>
+                <a:spcPts val="0"/>
+              </a:spcBef>
+              <a:spcAft>
+                <a:spcPts val="0"/>
+              </a:spcAft>
+              <a:buSzPts val="1100"/>
+              <a:buChar char="-"/>
             </a:pPr>
             <a:r>
-              <a:t/>
+              <a:rPr lang="de"/>
+              <a:t>Residual Neural Networks, oder kurz ResNets</a:t>
+            </a:r>
+            <a:endParaRPr/>
+          </a:p>
+          <a:p>
+            <a:pPr indent="-298450" lvl="0" marL="457200" rtl="0" algn="l">
+              <a:spcBef>
+                <a:spcPts val="0"/>
+              </a:spcBef>
+              <a:spcAft>
+                <a:spcPts val="0"/>
+              </a:spcAft>
+              <a:buSzPts val="1100"/>
+              <a:buChar char="-"/>
+            </a:pPr>
+            <a:r>
+              <a:rPr lang="de"/>
+              <a:t>bestimmte Art von neuronalen Netzen: sehr tief (im folgenden 25+ layer)</a:t>
+            </a:r>
+            <a:endParaRPr/>
+          </a:p>
+          <a:p>
+            <a:pPr indent="-298450" lvl="0" marL="457200" rtl="0" algn="l">
+              <a:spcBef>
+                <a:spcPts val="0"/>
+              </a:spcBef>
+              <a:spcAft>
+                <a:spcPts val="0"/>
+              </a:spcAft>
+              <a:buSzPts val="1100"/>
+              <a:buChar char="-"/>
+            </a:pPr>
+            <a:r>
+              <a:rPr lang="de"/>
+              <a:t>trotzdem noch effizient trainierbar und sehr performant</a:t>
+            </a:r>
+            <a:endParaRPr/>
+          </a:p>
+          <a:p>
+            <a:pPr indent="-298450" lvl="0" marL="457200" rtl="0" algn="l">
+              <a:spcBef>
+                <a:spcPts val="0"/>
+              </a:spcBef>
+              <a:spcAft>
+                <a:spcPts val="0"/>
+              </a:spcAft>
+              <a:buSzPts val="1100"/>
+              <a:buChar char="-"/>
+            </a:pPr>
+            <a:r>
+              <a:rPr lang="de"/>
+              <a:t>Besondere Anwendung im Bereich Bildklassifikation</a:t>
             </a:r>
             <a:endParaRPr/>
           </a:p>
@@ -829,7 +882,7 @@
   <p:cSld>
     <p:spTree>
       <p:nvGrpSpPr>
-        <p:cNvPr id="127" name="Shape 127"/>
+        <p:cNvPr id="131" name="Shape 131"/>
         <p:cNvGrpSpPr/>
         <p:nvPr/>
       </p:nvGrpSpPr>
@@ -843,7 +896,7 @@
       </p:grpSpPr>
       <p:sp>
         <p:nvSpPr>
-          <p:cNvPr id="128" name="Google Shape;128;gb32298a4fe_0_147:notes"/>
+          <p:cNvPr id="132" name="Google Shape;132;gb32298a4fe_0_147:notes"/>
           <p:cNvSpPr/>
           <p:nvPr>
             <p:ph idx="2" type="sldImg"/>
@@ -878,7 +931,7 @@
       </p:sp>
       <p:sp>
         <p:nvSpPr>
-          <p:cNvPr id="129" name="Google Shape;129;gb32298a4fe_0_147:notes"/>
+          <p:cNvPr id="133" name="Google Shape;133;gb32298a4fe_0_147:notes"/>
           <p:cNvSpPr txBox="1"/>
           <p:nvPr>
             <p:ph idx="1" type="body"/>
@@ -899,19 +952,203 @@
           </a:bodyPr>
           <a:lstStyle/>
           <a:p>
-            <a:pPr indent="0" lvl="0" marL="0" rtl="0" algn="l">
-              <a:spcBef>
-                <a:spcPts val="0"/>
-              </a:spcBef>
-              <a:spcAft>
-                <a:spcPts val="0"/>
-              </a:spcAft>
-              <a:buNone/>
+            <a:pPr indent="-298450" lvl="0" marL="457200" rtl="0" algn="l">
+              <a:spcBef>
+                <a:spcPts val="0"/>
+              </a:spcBef>
+              <a:spcAft>
+                <a:spcPts val="0"/>
+              </a:spcAft>
+              <a:buSzPts val="1100"/>
+              <a:buChar char="-"/>
             </a:pPr>
             <a:r>
-              <a:t/>
+              <a:rPr lang="de"/>
+              <a:t>die Grundidee der ResNets ist es, den Lernprozess zu reformulieren: </a:t>
+            </a:r>
+            <a:r>
+              <a:rPr lang="de">
+                <a:solidFill>
+                  <a:schemeClr val="dk1"/>
+                </a:solidFill>
+              </a:rPr>
+              <a:t>Anstatt zu hoffen, dass alle paar hintereinander geschaltete Layer eine zugrunde liegende Funktion direkt approximieren, werden bei ResNets in den Layern nur die </a:t>
+            </a:r>
+            <a:r>
+              <a:rPr b="1" lang="de">
+                <a:solidFill>
+                  <a:schemeClr val="dk1"/>
+                </a:solidFill>
+              </a:rPr>
+              <a:t>Residuen</a:t>
+            </a:r>
+            <a:r>
+              <a:rPr lang="de">
+                <a:solidFill>
+                  <a:schemeClr val="dk1"/>
+                </a:solidFill>
+              </a:rPr>
+              <a:t> der Eingabe in dieses Layer zu der Idealfunktion explizit gelernt, daher auch der Name </a:t>
+            </a:r>
+            <a:r>
+              <a:rPr i="1" lang="de">
+                <a:solidFill>
+                  <a:schemeClr val="dk1"/>
+                </a:solidFill>
+              </a:rPr>
+              <a:t>Residual Networks</a:t>
+            </a:r>
+            <a:r>
+              <a:rPr lang="de">
+                <a:solidFill>
+                  <a:schemeClr val="dk1"/>
+                </a:solidFill>
+              </a:rPr>
+              <a:t>.</a:t>
             </a:r>
             <a:endParaRPr/>
+          </a:p>
+          <a:p>
+            <a:pPr indent="-298450" lvl="0" marL="457200" rtl="0" algn="l">
+              <a:spcBef>
+                <a:spcPts val="0"/>
+              </a:spcBef>
+              <a:spcAft>
+                <a:spcPts val="0"/>
+              </a:spcAft>
+              <a:buSzPts val="1100"/>
+              <a:buChar char="-"/>
+            </a:pPr>
+            <a:r>
+              <a:rPr lang="de"/>
+              <a:t>was genau bedeutet das? betrachten wir uns dazu etliche aufeinanderfolgende Layer</a:t>
+            </a:r>
+            <a:endParaRPr/>
+          </a:p>
+          <a:p>
+            <a:pPr indent="-298450" lvl="0" marL="457200" rtl="0" algn="l">
+              <a:spcBef>
+                <a:spcPts val="0"/>
+              </a:spcBef>
+              <a:spcAft>
+                <a:spcPts val="0"/>
+              </a:spcAft>
+              <a:buSzPts val="1100"/>
+              <a:buChar char="-"/>
+            </a:pPr>
+            <a:r>
+              <a:rPr lang="de">
+                <a:solidFill>
+                  <a:schemeClr val="dk1"/>
+                </a:solidFill>
+              </a:rPr>
+              <a:t>Erinnerung: der Begriff </a:t>
+            </a:r>
+            <a:r>
+              <a:rPr i="1" lang="de">
+                <a:solidFill>
+                  <a:schemeClr val="dk1"/>
+                </a:solidFill>
+              </a:rPr>
+              <a:t>Residuum</a:t>
+            </a:r>
+            <a:r>
+              <a:rPr lang="de">
+                <a:solidFill>
+                  <a:schemeClr val="dk1"/>
+                </a:solidFill>
+              </a:rPr>
+              <a:t> bezeichnet die Abweichung eines Datenpunktes von dem vom Modell geschätzten Wert</a:t>
+            </a:r>
+            <a:endParaRPr>
+              <a:solidFill>
+                <a:schemeClr val="dk1"/>
+              </a:solidFill>
+            </a:endParaRPr>
+          </a:p>
+          <a:p>
+            <a:pPr indent="-298450" lvl="0" marL="457200" rtl="0" algn="l">
+              <a:spcBef>
+                <a:spcPts val="0"/>
+              </a:spcBef>
+              <a:spcAft>
+                <a:spcPts val="0"/>
+              </a:spcAft>
+              <a:buClr>
+                <a:schemeClr val="dk1"/>
+              </a:buClr>
+              <a:buSzPts val="1100"/>
+              <a:buChar char="-"/>
+            </a:pPr>
+            <a:r>
+              <a:rPr lang="de">
+                <a:solidFill>
+                  <a:schemeClr val="dk1"/>
+                </a:solidFill>
+              </a:rPr>
+              <a:t>…</a:t>
+            </a:r>
+            <a:endParaRPr>
+              <a:solidFill>
+                <a:schemeClr val="dk1"/>
+              </a:solidFill>
+            </a:endParaRPr>
+          </a:p>
+          <a:p>
+            <a:pPr indent="-298450" lvl="0" marL="457200" rtl="0" algn="l">
+              <a:spcBef>
+                <a:spcPts val="0"/>
+              </a:spcBef>
+              <a:spcAft>
+                <a:spcPts val="0"/>
+              </a:spcAft>
+              <a:buClr>
+                <a:schemeClr val="dk1"/>
+              </a:buClr>
+              <a:buSzPts val="1100"/>
+              <a:buChar char="-"/>
+            </a:pPr>
+            <a:r>
+              <a:rPr lang="de">
+                <a:solidFill>
+                  <a:schemeClr val="dk1"/>
+                </a:solidFill>
+              </a:rPr>
+              <a:t>beide Ansätze approximieren asymptotisch die gleiche Funktion, jedoch … einfacher</a:t>
+            </a:r>
+            <a:endParaRPr>
+              <a:solidFill>
+                <a:schemeClr val="dk1"/>
+              </a:solidFill>
+            </a:endParaRPr>
+          </a:p>
+          <a:p>
+            <a:pPr indent="-298450" lvl="0" marL="457200" rtl="0" algn="l">
+              <a:spcBef>
+                <a:spcPts val="0"/>
+              </a:spcBef>
+              <a:spcAft>
+                <a:spcPts val="0"/>
+              </a:spcAft>
+              <a:buClr>
+                <a:schemeClr val="dk1"/>
+              </a:buClr>
+              <a:buSzPts val="1100"/>
+              <a:buChar char="-"/>
+            </a:pPr>
+            <a:r>
+              <a:rPr lang="de">
+                <a:solidFill>
+                  <a:schemeClr val="dk1"/>
+                </a:solidFill>
+              </a:rPr>
+              <a:t>wie wird das konkret umgesetzt?</a:t>
+            </a:r>
+            <a:endParaRPr>
+              <a:solidFill>
+                <a:schemeClr val="dk1"/>
+              </a:solidFill>
+            </a:endParaRPr>
           </a:p>
         </p:txBody>
       </p:sp>
@@ -928,7 +1165,7 @@
   <p:cSld>
     <p:spTree>
       <p:nvGrpSpPr>
-        <p:cNvPr id="137" name="Shape 137"/>
+        <p:cNvPr id="141" name="Shape 141"/>
         <p:cNvGrpSpPr/>
         <p:nvPr/>
       </p:nvGrpSpPr>
@@ -942,7 +1179,7 @@
       </p:grpSpPr>
       <p:sp>
         <p:nvSpPr>
-          <p:cNvPr id="138" name="Google Shape;138;gb7958bfe05_0_26:notes"/>
+          <p:cNvPr id="142" name="Google Shape;142;gb7958bfe05_0_26:notes"/>
           <p:cNvSpPr/>
           <p:nvPr>
             <p:ph idx="2" type="sldImg"/>
@@ -977,7 +1214,7 @@
       </p:sp>
       <p:sp>
         <p:nvSpPr>
-          <p:cNvPr id="139" name="Google Shape;139;gb7958bfe05_0_26:notes"/>
+          <p:cNvPr id="143" name="Google Shape;143;gb7958bfe05_0_26:notes"/>
           <p:cNvSpPr txBox="1"/>
           <p:nvPr>
             <p:ph idx="1" type="body"/>
@@ -998,17 +1235,87 @@
           </a:bodyPr>
           <a:lstStyle/>
           <a:p>
-            <a:pPr indent="0" lvl="0" marL="0" rtl="0" algn="l">
-              <a:spcBef>
-                <a:spcPts val="0"/>
-              </a:spcBef>
-              <a:spcAft>
-                <a:spcPts val="0"/>
-              </a:spcAft>
-              <a:buNone/>
+            <a:pPr indent="-298450" lvl="0" marL="457200" rtl="0" algn="l">
+              <a:spcBef>
+                <a:spcPts val="0"/>
+              </a:spcBef>
+              <a:spcAft>
+                <a:spcPts val="0"/>
+              </a:spcAft>
+              <a:buSzPts val="1100"/>
+              <a:buChar char="-"/>
             </a:pPr>
             <a:r>
-              <a:t/>
+              <a:rPr lang="de"/>
+              <a:t>ein ResNet besteht aus einer ganzen Reihe von sequentiell hintereinander geschalteten ResNet Blöcken</a:t>
+            </a:r>
+            <a:endParaRPr/>
+          </a:p>
+          <a:p>
+            <a:pPr indent="-298450" lvl="0" marL="457200" rtl="0" algn="l">
+              <a:spcBef>
+                <a:spcPts val="0"/>
+              </a:spcBef>
+              <a:spcAft>
+                <a:spcPts val="0"/>
+              </a:spcAft>
+              <a:buSzPts val="1100"/>
+              <a:buChar char="-"/>
+            </a:pPr>
+            <a:r>
+              <a:rPr lang="de"/>
+              <a:t>(beschreiben)</a:t>
+            </a:r>
+            <a:endParaRPr/>
+          </a:p>
+          <a:p>
+            <a:pPr indent="-298450" lvl="0" marL="457200" rtl="0" algn="l">
+              <a:spcBef>
+                <a:spcPts val="0"/>
+              </a:spcBef>
+              <a:spcAft>
+                <a:spcPts val="0"/>
+              </a:spcAft>
+              <a:buSzPts val="1100"/>
+              <a:buChar char="-"/>
+            </a:pPr>
+            <a:r>
+              <a:rPr lang="de"/>
+              <a:t>skip connection</a:t>
+            </a:r>
+            <a:endParaRPr/>
+          </a:p>
+          <a:p>
+            <a:pPr indent="-298450" lvl="0" marL="457200" rtl="0" algn="l">
+              <a:spcBef>
+                <a:spcPts val="0"/>
+              </a:spcBef>
+              <a:spcAft>
+                <a:spcPts val="0"/>
+              </a:spcAft>
+              <a:buSzPts val="1100"/>
+              <a:buChar char="-"/>
+            </a:pPr>
+            <a:r>
+              <a:rPr lang="de"/>
+              <a:t>identität: keine eigenen Parameter</a:t>
+            </a:r>
+            <a:endParaRPr/>
+          </a:p>
+          <a:p>
+            <a:pPr indent="-298450" lvl="0" marL="457200" rtl="0" algn="l">
+              <a:spcBef>
+                <a:spcPts val="0"/>
+              </a:spcBef>
+              <a:spcAft>
+                <a:spcPts val="0"/>
+              </a:spcAft>
+              <a:buSzPts val="1100"/>
+              <a:buChar char="-"/>
+            </a:pPr>
+            <a:r>
+              <a:rPr lang="de"/>
+              <a:t>somit realisiert so ein Block das Lernen von Residuen</a:t>
             </a:r>
             <a:endParaRPr/>
           </a:p>
@@ -1027,7 +1334,7 @@
   <p:cSld>
     <p:spTree>
       <p:nvGrpSpPr>
-        <p:cNvPr id="150" name="Shape 150"/>
+        <p:cNvPr id="154" name="Shape 154"/>
         <p:cNvGrpSpPr/>
         <p:nvPr/>
       </p:nvGrpSpPr>
@@ -1041,7 +1348,7 @@
       </p:grpSpPr>
       <p:sp>
         <p:nvSpPr>
-          <p:cNvPr id="151" name="Google Shape;151;gb7958bfe05_0_34:notes"/>
+          <p:cNvPr id="155" name="Google Shape;155;gb7958bfe05_0_34:notes"/>
           <p:cNvSpPr/>
           <p:nvPr>
             <p:ph idx="2" type="sldImg"/>
@@ -1076,7 +1383,7 @@
       </p:sp>
       <p:sp>
         <p:nvSpPr>
-          <p:cNvPr id="152" name="Google Shape;152;gb7958bfe05_0_34:notes"/>
+          <p:cNvPr id="156" name="Google Shape;156;gb7958bfe05_0_34:notes"/>
           <p:cNvSpPr txBox="1"/>
           <p:nvPr>
             <p:ph idx="1" type="body"/>
@@ -1097,17 +1404,36 @@
           </a:bodyPr>
           <a:lstStyle/>
           <a:p>
-            <a:pPr indent="0" lvl="0" marL="0" rtl="0" algn="l">
-              <a:spcBef>
-                <a:spcPts val="0"/>
-              </a:spcBef>
-              <a:spcAft>
-                <a:spcPts val="0"/>
-              </a:spcAft>
-              <a:buNone/>
+            <a:pPr indent="-298450" lvl="0" marL="457200" rtl="0" algn="l">
+              <a:spcBef>
+                <a:spcPts val="0"/>
+              </a:spcBef>
+              <a:spcAft>
+                <a:spcPts val="0"/>
+              </a:spcAft>
+              <a:buSzPts val="1100"/>
+              <a:buChar char="-"/>
             </a:pPr>
             <a:r>
-              <a:t/>
+              <a:rPr lang="de"/>
+              <a:t>hier ein konkretes Beispiel eines ResNets mit convolutions (tatsächlich finden ResNets mit solchen Netzen die meiste Anwendung)</a:t>
+            </a:r>
+            <a:endParaRPr/>
+          </a:p>
+          <a:p>
+            <a:pPr indent="-298450" lvl="0" marL="457200" rtl="0" algn="l">
+              <a:spcBef>
+                <a:spcPts val="0"/>
+              </a:spcBef>
+              <a:spcAft>
+                <a:spcPts val="0"/>
+              </a:spcAft>
+              <a:buSzPts val="1100"/>
+              <a:buChar char="-"/>
+            </a:pPr>
+            <a:r>
+              <a:rPr lang="de"/>
+              <a:t>(beschreiben)</a:t>
             </a:r>
             <a:endParaRPr/>
           </a:p>
@@ -1126,7 +1452,7 @@
   <p:cSld>
     <p:spTree>
       <p:nvGrpSpPr>
-        <p:cNvPr id="159" name="Shape 159"/>
+        <p:cNvPr id="163" name="Shape 163"/>
         <p:cNvGrpSpPr/>
         <p:nvPr/>
       </p:nvGrpSpPr>
@@ -1140,7 +1466,7 @@
       </p:grpSpPr>
       <p:sp>
         <p:nvSpPr>
-          <p:cNvPr id="160" name="Google Shape;160;gb7958bfe05_0_42:notes"/>
+          <p:cNvPr id="164" name="Google Shape;164;gb7958bfe05_0_42:notes"/>
           <p:cNvSpPr/>
           <p:nvPr>
             <p:ph idx="2" type="sldImg"/>
@@ -1175,7 +1501,7 @@
       </p:sp>
       <p:sp>
         <p:nvSpPr>
-          <p:cNvPr id="161" name="Google Shape;161;gb7958bfe05_0_42:notes"/>
+          <p:cNvPr id="165" name="Google Shape;165;gb7958bfe05_0_42:notes"/>
           <p:cNvSpPr txBox="1"/>
           <p:nvPr>
             <p:ph idx="1" type="body"/>
@@ -1196,17 +1522,19 @@
           </a:bodyPr>
           <a:lstStyle/>
           <a:p>
-            <a:pPr indent="0" lvl="0" marL="0" rtl="0" algn="l">
-              <a:spcBef>
-                <a:spcPts val="0"/>
-              </a:spcBef>
-              <a:spcAft>
-                <a:spcPts val="0"/>
-              </a:spcAft>
-              <a:buNone/>
+            <a:pPr indent="-298450" lvl="0" marL="457200" rtl="0" algn="l">
+              <a:spcBef>
+                <a:spcPts val="0"/>
+              </a:spcBef>
+              <a:spcAft>
+                <a:spcPts val="0"/>
+              </a:spcAft>
+              <a:buSzPts val="1100"/>
+              <a:buChar char="-"/>
             </a:pPr>
             <a:r>
-              <a:t/>
+              <a:rPr lang="de"/>
+              <a:t>hier nochmal ein Beispiel für ein prominentes Netz im Vergleich mit dem bekannten VGG 19</a:t>
             </a:r>
             <a:endParaRPr/>
           </a:p>
@@ -1225,7 +1553,7 @@
   <p:cSld>
     <p:spTree>
       <p:nvGrpSpPr>
-        <p:cNvPr id="168" name="Shape 168"/>
+        <p:cNvPr id="172" name="Shape 172"/>
         <p:cNvGrpSpPr/>
         <p:nvPr/>
       </p:nvGrpSpPr>
@@ -1239,7 +1567,7 @@
       </p:grpSpPr>
       <p:sp>
         <p:nvSpPr>
-          <p:cNvPr id="169" name="Google Shape;169;gb7958bfe05_0_58:notes"/>
+          <p:cNvPr id="173" name="Google Shape;173;gb7958bfe05_0_58:notes"/>
           <p:cNvSpPr/>
           <p:nvPr>
             <p:ph idx="2" type="sldImg"/>
@@ -1274,7 +1602,7 @@
       </p:sp>
       <p:sp>
         <p:nvSpPr>
-          <p:cNvPr id="170" name="Google Shape;170;gb7958bfe05_0_58:notes"/>
+          <p:cNvPr id="174" name="Google Shape;174;gb7958bfe05_0_58:notes"/>
           <p:cNvSpPr txBox="1"/>
           <p:nvPr>
             <p:ph idx="1" type="body"/>
@@ -1295,17 +1623,27 @@
           </a:bodyPr>
           <a:lstStyle/>
           <a:p>
-            <a:pPr indent="0" lvl="0" marL="0" rtl="0" algn="l">
-              <a:spcBef>
-                <a:spcPts val="0"/>
-              </a:spcBef>
-              <a:spcAft>
-                <a:spcPts val="0"/>
-              </a:spcAft>
-              <a:buNone/>
+            <a:pPr indent="-298450" lvl="0" marL="457200" rtl="0" algn="l">
+              <a:spcBef>
+                <a:spcPts val="0"/>
+              </a:spcBef>
+              <a:spcAft>
+                <a:spcPts val="0"/>
+              </a:spcAft>
+              <a:buSzPts val="1100"/>
+              <a:buChar char="-"/>
             </a:pPr>
             <a:r>
-              <a:t/>
+              <a:rPr lang="de"/>
+              <a:t>dieses ResNet-152 war auch das, das</a:t>
+            </a:r>
+            <a:r>
+              <a:rPr lang="de"/>
+              <a:t>...</a:t>
+            </a:r>
+            <a:r>
+              <a:rPr lang="de"/>
+              <a:t>.</a:t>
             </a:r>
             <a:endParaRPr/>
           </a:p>
@@ -1324,7 +1662,7 @@
   <p:cSld>
     <p:spTree>
       <p:nvGrpSpPr>
-        <p:cNvPr id="176" name="Shape 176"/>
+        <p:cNvPr id="180" name="Shape 180"/>
         <p:cNvGrpSpPr/>
         <p:nvPr/>
       </p:nvGrpSpPr>
@@ -1338,7 +1676,7 @@
       </p:grpSpPr>
       <p:sp>
         <p:nvSpPr>
-          <p:cNvPr id="177" name="Google Shape;177;gb7958bfe05_0_50:notes"/>
+          <p:cNvPr id="181" name="Google Shape;181;gb7958bfe05_0_50:notes"/>
           <p:cNvSpPr/>
           <p:nvPr>
             <p:ph idx="2" type="sldImg"/>
@@ -1373,7 +1711,7 @@
       </p:sp>
       <p:sp>
         <p:nvSpPr>
-          <p:cNvPr id="178" name="Google Shape;178;gb7958bfe05_0_50:notes"/>
+          <p:cNvPr id="182" name="Google Shape;182;gb7958bfe05_0_50:notes"/>
           <p:cNvSpPr txBox="1"/>
           <p:nvPr>
             <p:ph idx="1" type="body"/>
@@ -1394,17 +1732,70 @@
           </a:bodyPr>
           <a:lstStyle/>
           <a:p>
-            <a:pPr indent="0" lvl="0" marL="0" rtl="0" algn="l">
-              <a:spcBef>
-                <a:spcPts val="0"/>
-              </a:spcBef>
-              <a:spcAft>
-                <a:spcPts val="0"/>
-              </a:spcAft>
-              <a:buNone/>
+            <a:pPr indent="-298450" lvl="0" marL="457200" rtl="0" algn="l">
+              <a:spcBef>
+                <a:spcPts val="0"/>
+              </a:spcBef>
+              <a:spcAft>
+                <a:spcPts val="0"/>
+              </a:spcAft>
+              <a:buSzPts val="1100"/>
+              <a:buChar char="-"/>
             </a:pPr>
             <a:r>
-              <a:t/>
+              <a:rPr lang="de"/>
+              <a:t>der code ist im Text unterhalb des Videos verlinkt</a:t>
+            </a:r>
+            <a:endParaRPr/>
+          </a:p>
+          <a:p>
+            <a:pPr indent="-298450" lvl="0" marL="457200" rtl="0" algn="l">
+              <a:spcBef>
+                <a:spcPts val="0"/>
+              </a:spcBef>
+              <a:spcAft>
+                <a:spcPts val="0"/>
+              </a:spcAft>
+              <a:buSzPts val="1100"/>
+              <a:buChar char="-"/>
+            </a:pPr>
+            <a:r>
+              <a:rPr lang="de"/>
+              <a:t>auch nochmal die Bestätigung: bei ResNets bedeuten mehr Schichten auch mehr Performance</a:t>
+            </a:r>
+            <a:endParaRPr/>
+          </a:p>
+          <a:p>
+            <a:pPr indent="-298450" lvl="0" marL="457200" rtl="0" algn="l">
+              <a:spcBef>
+                <a:spcPts val="0"/>
+              </a:spcBef>
+              <a:spcAft>
+                <a:spcPts val="0"/>
+              </a:spcAft>
+              <a:buSzPts val="1100"/>
+              <a:buChar char="-"/>
+            </a:pPr>
+            <a:r>
+              <a:rPr lang="de"/>
+              <a:t>scheinen nicht vom degeneration problem betroffen zu sein</a:t>
+            </a:r>
+            <a:endParaRPr/>
+          </a:p>
+          <a:p>
+            <a:pPr indent="-298450" lvl="0" marL="457200" rtl="0" algn="l">
+              <a:spcBef>
+                <a:spcPts val="0"/>
+              </a:spcBef>
+              <a:spcAft>
+                <a:spcPts val="0"/>
+              </a:spcAft>
+              <a:buSzPts val="1100"/>
+              <a:buChar char="-"/>
+            </a:pPr>
+            <a:r>
+              <a:rPr lang="de"/>
+              <a:t>stattdessen verbessern weitere layer die Genauigkeit jeweils noch einen Ticken mehr</a:t>
             </a:r>
             <a:endParaRPr/>
           </a:p>
@@ -1423,7 +1814,7 @@
   <p:cSld>
     <p:spTree>
       <p:nvGrpSpPr>
-        <p:cNvPr id="185" name="Shape 185"/>
+        <p:cNvPr id="189" name="Shape 189"/>
         <p:cNvGrpSpPr/>
         <p:nvPr/>
       </p:nvGrpSpPr>
@@ -1437,7 +1828,7 @@
       </p:grpSpPr>
       <p:sp>
         <p:nvSpPr>
-          <p:cNvPr id="186" name="Google Shape;186;gb7d9aff946_0_182:notes"/>
+          <p:cNvPr id="190" name="Google Shape;190;gb7d9aff946_0_182:notes"/>
           <p:cNvSpPr/>
           <p:nvPr>
             <p:ph idx="2" type="sldImg"/>
@@ -1472,7 +1863,7 @@
       </p:sp>
       <p:sp>
         <p:nvSpPr>
-          <p:cNvPr id="187" name="Google Shape;187;gb7d9aff946_0_182:notes"/>
+          <p:cNvPr id="191" name="Google Shape;191;gb7d9aff946_0_182:notes"/>
           <p:cNvSpPr txBox="1"/>
           <p:nvPr>
             <p:ph idx="1" type="body"/>
@@ -1522,7 +1913,7 @@
   <p:cSld>
     <p:spTree>
       <p:nvGrpSpPr>
-        <p:cNvPr id="197" name="Shape 197"/>
+        <p:cNvPr id="201" name="Shape 201"/>
         <p:cNvGrpSpPr/>
         <p:nvPr/>
       </p:nvGrpSpPr>
@@ -1536,7 +1927,7 @@
       </p:grpSpPr>
       <p:sp>
         <p:nvSpPr>
-          <p:cNvPr id="198" name="Google Shape;198;gb7d9aff946_0_197:notes"/>
+          <p:cNvPr id="202" name="Google Shape;202;gb7d9aff946_0_197:notes"/>
           <p:cNvSpPr/>
           <p:nvPr>
             <p:ph idx="2" type="sldImg"/>
@@ -1571,7 +1962,7 @@
       </p:sp>
       <p:sp>
         <p:nvSpPr>
-          <p:cNvPr id="199" name="Google Shape;199;gb7d9aff946_0_197:notes"/>
+          <p:cNvPr id="203" name="Google Shape;203;gb7d9aff946_0_197:notes"/>
           <p:cNvSpPr txBox="1"/>
           <p:nvPr>
             <p:ph idx="1" type="body"/>
@@ -1592,17 +1983,19 @@
           </a:bodyPr>
           <a:lstStyle/>
           <a:p>
-            <a:pPr indent="0" lvl="0" marL="0" rtl="0" algn="l">
-              <a:spcBef>
-                <a:spcPts val="0"/>
-              </a:spcBef>
-              <a:spcAft>
-                <a:spcPts val="0"/>
-              </a:spcAft>
-              <a:buNone/>
+            <a:pPr indent="-298450" lvl="0" marL="457200" rtl="0" algn="l">
+              <a:spcBef>
+                <a:spcPts val="0"/>
+              </a:spcBef>
+              <a:spcAft>
+                <a:spcPts val="0"/>
+              </a:spcAft>
+              <a:buSzPts val="1100"/>
+              <a:buChar char="-"/>
             </a:pPr>
             <a:r>
-              <a:t/>
+              <a:rPr lang="de"/>
+              <a:t>ändert sich nichts grundlegendes bei den forward- und backpropagation Schritten</a:t>
             </a:r>
             <a:endParaRPr/>
           </a:p>
@@ -1621,7 +2014,7 @@
   <p:cSld>
     <p:spTree>
       <p:nvGrpSpPr>
-        <p:cNvPr id="210" name="Shape 210"/>
+        <p:cNvPr id="214" name="Shape 214"/>
         <p:cNvGrpSpPr/>
         <p:nvPr/>
       </p:nvGrpSpPr>
@@ -1635,7 +2028,7 @@
       </p:grpSpPr>
       <p:sp>
         <p:nvSpPr>
-          <p:cNvPr id="211" name="Google Shape;211;gb32298a4fe_0_153:notes"/>
+          <p:cNvPr id="215" name="Google Shape;215;gb32298a4fe_0_153:notes"/>
           <p:cNvSpPr/>
           <p:nvPr>
             <p:ph idx="2" type="sldImg"/>
@@ -1670,7 +2063,7 @@
       </p:sp>
       <p:sp>
         <p:nvSpPr>
-          <p:cNvPr id="212" name="Google Shape;212;gb32298a4fe_0_153:notes"/>
+          <p:cNvPr id="216" name="Google Shape;216;gb32298a4fe_0_153:notes"/>
           <p:cNvSpPr txBox="1"/>
           <p:nvPr>
             <p:ph idx="1" type="body"/>
@@ -1691,17 +2084,19 @@
           </a:bodyPr>
           <a:lstStyle/>
           <a:p>
-            <a:pPr indent="0" lvl="0" marL="0" rtl="0" algn="l">
-              <a:spcBef>
-                <a:spcPts val="0"/>
-              </a:spcBef>
-              <a:spcAft>
-                <a:spcPts val="0"/>
-              </a:spcAft>
-              <a:buNone/>
+            <a:pPr indent="-298450" lvl="0" marL="457200" rtl="0" algn="l">
+              <a:spcBef>
+                <a:spcPts val="0"/>
+              </a:spcBef>
+              <a:spcAft>
+                <a:spcPts val="0"/>
+              </a:spcAft>
+              <a:buSzPts val="1100"/>
+              <a:buChar char="-"/>
             </a:pPr>
             <a:r>
-              <a:t/>
+              <a:rPr lang="de"/>
+              <a:t>seit der Entwicklung der ResNets wurden verschiedene </a:t>
             </a:r>
             <a:endParaRPr/>
           </a:p>
@@ -1720,7 +2115,7 @@
   <p:cSld>
     <p:spTree>
       <p:nvGrpSpPr>
-        <p:cNvPr id="218" name="Shape 218"/>
+        <p:cNvPr id="222" name="Shape 222"/>
         <p:cNvGrpSpPr/>
         <p:nvPr/>
       </p:nvGrpSpPr>
@@ -1734,7 +2129,7 @@
       </p:grpSpPr>
       <p:sp>
         <p:nvSpPr>
-          <p:cNvPr id="219" name="Google Shape;219;gb7958bfe05_0_74:notes"/>
+          <p:cNvPr id="223" name="Google Shape;223;gb7958bfe05_0_74:notes"/>
           <p:cNvSpPr/>
           <p:nvPr>
             <p:ph idx="2" type="sldImg"/>
@@ -1769,7 +2164,7 @@
       </p:sp>
       <p:sp>
         <p:nvSpPr>
-          <p:cNvPr id="220" name="Google Shape;220;gb7958bfe05_0_74:notes"/>
+          <p:cNvPr id="224" name="Google Shape;224;gb7958bfe05_0_74:notes"/>
           <p:cNvSpPr txBox="1"/>
           <p:nvPr>
             <p:ph idx="1" type="body"/>
@@ -1889,17 +2284,70 @@
           </a:bodyPr>
           <a:lstStyle/>
           <a:p>
-            <a:pPr indent="0" lvl="0" marL="0" rtl="0" algn="l">
-              <a:spcBef>
-                <a:spcPts val="0"/>
-              </a:spcBef>
-              <a:spcAft>
-                <a:spcPts val="0"/>
-              </a:spcAft>
-              <a:buNone/>
+            <a:pPr indent="-298450" lvl="0" marL="457200" rtl="0" algn="l">
+              <a:spcBef>
+                <a:spcPts val="0"/>
+              </a:spcBef>
+              <a:spcAft>
+                <a:spcPts val="0"/>
+              </a:spcAft>
+              <a:buSzPts val="1100"/>
+              <a:buChar char="-"/>
             </a:pPr>
             <a:r>
-              <a:t/>
+              <a:rPr lang="de"/>
+              <a:t>bevor eigtl ResNets: zentrale Problem</a:t>
+            </a:r>
+            <a:endParaRPr/>
+          </a:p>
+          <a:p>
+            <a:pPr indent="-298450" lvl="0" marL="457200" rtl="0" algn="l">
+              <a:spcBef>
+                <a:spcPts val="0"/>
+              </a:spcBef>
+              <a:spcAft>
+                <a:spcPts val="0"/>
+              </a:spcAft>
+              <a:buSzPts val="1100"/>
+              <a:buChar char="-"/>
+            </a:pPr>
+            <a:r>
+              <a:rPr lang="de"/>
+              <a:t>warum das in der Praxis nur begrenzt möglich ist</a:t>
+            </a:r>
+            <a:endParaRPr/>
+          </a:p>
+          <a:p>
+            <a:pPr indent="-298450" lvl="0" marL="457200" rtl="0" algn="l">
+              <a:spcBef>
+                <a:spcPts val="0"/>
+              </a:spcBef>
+              <a:spcAft>
+                <a:spcPts val="0"/>
+              </a:spcAft>
+              <a:buSzPts val="1100"/>
+              <a:buChar char="-"/>
+            </a:pPr>
+            <a:r>
+              <a:rPr lang="de"/>
+              <a:t>ResNets: wie sie aufgebaut sind und das Problem lösen</a:t>
+            </a:r>
+            <a:endParaRPr/>
+          </a:p>
+          <a:p>
+            <a:pPr indent="-298450" lvl="0" marL="457200" rtl="0" algn="l">
+              <a:spcBef>
+                <a:spcPts val="0"/>
+              </a:spcBef>
+              <a:spcAft>
+                <a:spcPts val="0"/>
+              </a:spcAft>
+              <a:buSzPts val="1100"/>
+              <a:buChar char="-"/>
+            </a:pPr>
+            <a:r>
+              <a:rPr lang="de"/>
+              <a:t>Anschluss: Varianten</a:t>
             </a:r>
             <a:endParaRPr/>
           </a:p>
@@ -1918,7 +2366,7 @@
   <p:cSld>
     <p:spTree>
       <p:nvGrpSpPr>
-        <p:cNvPr id="228" name="Shape 228"/>
+        <p:cNvPr id="232" name="Shape 232"/>
         <p:cNvGrpSpPr/>
         <p:nvPr/>
       </p:nvGrpSpPr>
@@ -1932,7 +2380,7 @@
       </p:grpSpPr>
       <p:sp>
         <p:nvSpPr>
-          <p:cNvPr id="229" name="Google Shape;229;gb32298a4fe_0_165:notes"/>
+          <p:cNvPr id="233" name="Google Shape;233;gb32298a4fe_0_165:notes"/>
           <p:cNvSpPr/>
           <p:nvPr>
             <p:ph idx="2" type="sldImg"/>
@@ -1967,7 +2415,7 @@
       </p:sp>
       <p:sp>
         <p:nvSpPr>
-          <p:cNvPr id="230" name="Google Shape;230;gb32298a4fe_0_165:notes"/>
+          <p:cNvPr id="234" name="Google Shape;234;gb32298a4fe_0_165:notes"/>
           <p:cNvSpPr txBox="1"/>
           <p:nvPr>
             <p:ph idx="1" type="body"/>
@@ -2186,17 +2634,87 @@
           </a:bodyPr>
           <a:lstStyle/>
           <a:p>
-            <a:pPr indent="0" lvl="0" marL="0" rtl="0" algn="l">
-              <a:spcBef>
-                <a:spcPts val="0"/>
-              </a:spcBef>
-              <a:spcAft>
-                <a:spcPts val="0"/>
-              </a:spcAft>
-              <a:buNone/>
+            <a:pPr indent="-298450" lvl="0" marL="457200" rtl="0" algn="l">
+              <a:spcBef>
+                <a:spcPts val="0"/>
+              </a:spcBef>
+              <a:spcAft>
+                <a:spcPts val="0"/>
+              </a:spcAft>
+              <a:buSzPts val="1100"/>
+              <a:buChar char="-"/>
             </a:pPr>
             <a:r>
-              <a:t/>
+              <a:rPr lang="de"/>
+              <a:t>um zu verstehen, warum tiefere Netze häufig bessere Ergebnisse erzielen…</a:t>
+            </a:r>
+            <a:endParaRPr/>
+          </a:p>
+          <a:p>
+            <a:pPr indent="-298450" lvl="0" marL="457200" rtl="0" algn="l">
+              <a:spcBef>
+                <a:spcPts val="0"/>
+              </a:spcBef>
+              <a:spcAft>
+                <a:spcPts val="0"/>
+              </a:spcAft>
+              <a:buSzPts val="1100"/>
+              <a:buChar char="-"/>
+            </a:pPr>
+            <a:r>
+              <a:rPr lang="de"/>
+              <a:t>(Aufbau von CNNs beschreiben)</a:t>
+            </a:r>
+            <a:endParaRPr/>
+          </a:p>
+          <a:p>
+            <a:pPr indent="-298450" lvl="0" marL="457200" rtl="0" algn="l">
+              <a:spcBef>
+                <a:spcPts val="0"/>
+              </a:spcBef>
+              <a:spcAft>
+                <a:spcPts val="0"/>
+              </a:spcAft>
+              <a:buSzPts val="1100"/>
+              <a:buChar char="-"/>
+            </a:pPr>
+            <a:r>
+              <a:rPr lang="de"/>
+              <a:t>dieses Netz: MNIST</a:t>
+            </a:r>
+            <a:endParaRPr/>
+          </a:p>
+          <a:p>
+            <a:pPr indent="-298450" lvl="0" marL="457200" rtl="0" algn="l">
+              <a:spcBef>
+                <a:spcPts val="0"/>
+              </a:spcBef>
+              <a:spcAft>
+                <a:spcPts val="0"/>
+              </a:spcAft>
+              <a:buSzPts val="1100"/>
+              <a:buChar char="-"/>
+            </a:pPr>
+            <a:r>
+              <a:rPr lang="de"/>
+              <a:t>einzelne Layer visualisiert</a:t>
+            </a:r>
+            <a:endParaRPr/>
+          </a:p>
+          <a:p>
+            <a:pPr indent="-298450" lvl="0" marL="457200" rtl="0" algn="l">
+              <a:spcBef>
+                <a:spcPts val="0"/>
+              </a:spcBef>
+              <a:spcAft>
+                <a:spcPts val="0"/>
+              </a:spcAft>
+              <a:buSzPts val="1100"/>
+              <a:buChar char="-"/>
+            </a:pPr>
+            <a:r>
+              <a:rPr lang="de"/>
+              <a:t>immer abstraktere Features</a:t>
             </a:r>
             <a:endParaRPr/>
           </a:p>
@@ -2285,17 +2803,74 @@
           </a:bodyPr>
           <a:lstStyle/>
           <a:p>
-            <a:pPr indent="0" lvl="0" marL="0" rtl="0" algn="l">
-              <a:spcBef>
-                <a:spcPts val="0"/>
-              </a:spcBef>
-              <a:spcAft>
-                <a:spcPts val="0"/>
-              </a:spcAft>
-              <a:buNone/>
+            <a:pPr indent="-298450" lvl="0" marL="457200" rtl="0" algn="l">
+              <a:spcBef>
+                <a:spcPts val="0"/>
+              </a:spcBef>
+              <a:spcAft>
+                <a:spcPts val="0"/>
+              </a:spcAft>
+              <a:buSzPts val="1100"/>
+              <a:buChar char="-"/>
             </a:pPr>
             <a:r>
-              <a:t/>
+              <a:rPr lang="de"/>
+              <a:t>nicht nur bei CNNs: universelle</a:t>
+            </a:r>
+            <a:r>
+              <a:rPr lang="de"/>
+              <a:t>...</a:t>
+            </a:r>
+            <a:endParaRPr/>
+          </a:p>
+          <a:p>
+            <a:pPr indent="-298450" lvl="0" marL="457200" rtl="0" algn="l">
+              <a:spcBef>
+                <a:spcPts val="0"/>
+              </a:spcBef>
+              <a:spcAft>
+                <a:spcPts val="0"/>
+              </a:spcAft>
+              <a:buSzPts val="1100"/>
+              <a:buChar char="-"/>
+            </a:pPr>
+            <a:r>
+              <a:rPr lang="de"/>
+              <a:t>die komplexe Funktionen lernen (zB stückweise lineare Funktion, die eine komplexere Funktion approximieren)</a:t>
+            </a:r>
+            <a:endParaRPr/>
+          </a:p>
+          <a:p>
+            <a:pPr indent="-298450" lvl="0" marL="457200" rtl="0" algn="l">
+              <a:spcBef>
+                <a:spcPts val="0"/>
+              </a:spcBef>
+              <a:spcAft>
+                <a:spcPts val="0"/>
+              </a:spcAft>
+              <a:buSzPts val="1100"/>
+              <a:buChar char="-"/>
+            </a:pPr>
+            <a:r>
+              <a:rPr lang="de"/>
+              <a:t>mehr Schichten: …</a:t>
+            </a:r>
+            <a:endParaRPr/>
+          </a:p>
+          <a:p>
+            <a:pPr indent="-298450" lvl="0" marL="457200" rtl="0" algn="l">
+              <a:spcBef>
+                <a:spcPts val="0"/>
+              </a:spcBef>
+              <a:spcAft>
+                <a:spcPts val="0"/>
+              </a:spcAft>
+              <a:buSzPts val="1100"/>
+              <a:buChar char="-"/>
+            </a:pPr>
+            <a:r>
+              <a:rPr lang="de"/>
+              <a:t>theoretisch einfacher, jedoch in der Praxis nur mit vielen Trainingsdaten und langer Trainingszeit</a:t>
             </a:r>
             <a:endParaRPr/>
           </a:p>
@@ -2385,8 +2960,32 @@
           <a:lstStyle/>
           <a:p>
             <a:pPr indent="0" lvl="0" marL="0" rtl="0" algn="l">
-              <a:spcBef>
-                <a:spcPts val="0"/>
+              <a:lnSpc>
+                <a:spcPct val="115000"/>
+              </a:lnSpc>
+              <a:spcBef>
+                <a:spcPts val="1200"/>
+              </a:spcBef>
+              <a:spcAft>
+                <a:spcPts val="0"/>
+              </a:spcAft>
+              <a:buClr>
+                <a:schemeClr val="dk1"/>
+              </a:buClr>
+              <a:buSzPts val="1100"/>
+              <a:buFont typeface="Arial"/>
+              <a:buNone/>
+            </a:pPr>
+            <a:r>
+              <a:rPr lang="de"/>
+              <a:t>Dieser Trend, immer mehr Schichten zu benutzen um die Performance für eine bestimmte Aufgabe zu steigern, hat sich in der Vergangenheit auch gezeigt.</a:t>
+            </a:r>
+            <a:endParaRPr/>
+          </a:p>
+          <a:p>
+            <a:pPr indent="0" lvl="0" marL="0" rtl="0" algn="l">
+              <a:spcBef>
+                <a:spcPts val="1200"/>
               </a:spcBef>
               <a:spcAft>
                 <a:spcPts val="0"/>
@@ -2483,17 +3082,138 @@
           </a:bodyPr>
           <a:lstStyle/>
           <a:p>
-            <a:pPr indent="0" lvl="0" marL="0" rtl="0" algn="l">
-              <a:spcBef>
-                <a:spcPts val="0"/>
-              </a:spcBef>
-              <a:spcAft>
-                <a:spcPts val="0"/>
-              </a:spcAft>
-              <a:buNone/>
+            <a:pPr indent="-298450" lvl="0" marL="457200" rtl="0" algn="l">
+              <a:spcBef>
+                <a:spcPts val="0"/>
+              </a:spcBef>
+              <a:spcAft>
+                <a:spcPts val="0"/>
+              </a:spcAft>
+              <a:buSzPts val="1100"/>
+              <a:buChar char="-"/>
             </a:pPr>
             <a:r>
-              <a:t/>
+              <a:rPr lang="de"/>
+              <a:t>dem ist im Allgemeinen jedoch nicht so</a:t>
+            </a:r>
+            <a:endParaRPr/>
+          </a:p>
+          <a:p>
+            <a:pPr indent="-298450" lvl="0" marL="457200" rtl="0" algn="l">
+              <a:spcBef>
+                <a:spcPts val="0"/>
+              </a:spcBef>
+              <a:spcAft>
+                <a:spcPts val="0"/>
+              </a:spcAft>
+              <a:buSzPts val="1100"/>
+              <a:buChar char="-"/>
+            </a:pPr>
+            <a:r>
+              <a:rPr lang="de"/>
+              <a:t>Training von Netzen ab ca 25/30 layern nicht mehr ohne weiteres möglich</a:t>
+            </a:r>
+            <a:endParaRPr/>
+          </a:p>
+          <a:p>
+            <a:pPr indent="-298450" lvl="0" marL="457200" rtl="0" algn="l">
+              <a:spcBef>
+                <a:spcPts val="0"/>
+              </a:spcBef>
+              <a:spcAft>
+                <a:spcPts val="0"/>
+              </a:spcAft>
+              <a:buSzPts val="1100"/>
+              <a:buChar char="-"/>
+            </a:pPr>
+            <a:r>
+              <a:rPr lang="de"/>
+              <a:t>Hauptgrund: degeneration problem</a:t>
+            </a:r>
+            <a:endParaRPr/>
+          </a:p>
+          <a:p>
+            <a:pPr indent="-298450" lvl="0" marL="457200" rtl="0" algn="l">
+              <a:spcBef>
+                <a:spcPts val="0"/>
+              </a:spcBef>
+              <a:spcAft>
+                <a:spcPts val="0"/>
+              </a:spcAft>
+              <a:buSzPts val="1100"/>
+              <a:buChar char="-"/>
+            </a:pPr>
+            <a:r>
+              <a:rPr lang="de"/>
+              <a:t>Hinzufügen von layer verbessert zunächst die Performance und Genauigkeit, erreicht Plateau und sinkt dann plötzlich ab</a:t>
+            </a:r>
+            <a:endParaRPr/>
+          </a:p>
+          <a:p>
+            <a:pPr indent="-298450" lvl="0" marL="457200" rtl="0" algn="l">
+              <a:spcBef>
+                <a:spcPts val="0"/>
+              </a:spcBef>
+              <a:spcAft>
+                <a:spcPts val="0"/>
+              </a:spcAft>
+              <a:buSzPts val="1100"/>
+              <a:buChar char="-"/>
+            </a:pPr>
+            <a:r>
+              <a:rPr lang="de"/>
+              <a:t>Overfitting</a:t>
+            </a:r>
+            <a:endParaRPr/>
+          </a:p>
+          <a:p>
+            <a:pPr indent="-298450" lvl="0" marL="457200" rtl="0" algn="l">
+              <a:spcBef>
+                <a:spcPts val="0"/>
+              </a:spcBef>
+              <a:spcAft>
+                <a:spcPts val="0"/>
+              </a:spcAft>
+              <a:buSzPts val="1100"/>
+              <a:buChar char="-"/>
+            </a:pPr>
+            <a:r>
+              <a:rPr lang="de"/>
+              <a:t>Vanishing/exploding gradients</a:t>
+            </a:r>
+            <a:endParaRPr/>
+          </a:p>
+          <a:p>
+            <a:pPr indent="-298450" lvl="0" marL="457200" rtl="0" algn="l">
+              <a:spcBef>
+                <a:spcPts val="0"/>
+              </a:spcBef>
+              <a:spcAft>
+                <a:spcPts val="0"/>
+              </a:spcAft>
+              <a:buSzPts val="1100"/>
+              <a:buChar char="-"/>
+            </a:pPr>
+            <a:r>
+              <a:rPr lang="de"/>
+              <a:t>stattdessen:...</a:t>
+            </a:r>
+            <a:endParaRPr/>
+          </a:p>
+          <a:p>
+            <a:pPr indent="-298450" lvl="0" marL="457200" rtl="0" algn="l">
+              <a:spcBef>
+                <a:spcPts val="0"/>
+              </a:spcBef>
+              <a:spcAft>
+                <a:spcPts val="0"/>
+              </a:spcAft>
+              <a:buSzPts val="1100"/>
+              <a:buChar char="-"/>
+            </a:pPr>
+            <a:r>
+              <a:rPr lang="de"/>
+              <a:t>In der Theorie: tiefe Netze mindestens genauso gut wie gleiche, weniger tiefe</a:t>
             </a:r>
             <a:endParaRPr/>
           </a:p>
@@ -2582,14 +3302,134 @@
           </a:bodyPr>
           <a:lstStyle/>
           <a:p>
-            <a:pPr indent="0" lvl="0" marL="0" rtl="0" algn="l">
-              <a:spcBef>
-                <a:spcPts val="0"/>
-              </a:spcBef>
-              <a:spcAft>
-                <a:spcPts val="0"/>
-              </a:spcAft>
-              <a:buNone/>
+            <a:pPr indent="-298450" lvl="0" marL="457200" rtl="0" algn="l">
+              <a:spcBef>
+                <a:spcPts val="0"/>
+              </a:spcBef>
+              <a:spcAft>
+                <a:spcPts val="0"/>
+              </a:spcAft>
+              <a:buSzPts val="1100"/>
+              <a:buChar char="-"/>
+            </a:pPr>
+            <a:r>
+              <a:rPr lang="de"/>
+              <a:t>betrachten wir ein einfaches feed-forward Netz mit m layern</a:t>
+            </a:r>
+            <a:endParaRPr/>
+          </a:p>
+          <a:p>
+            <a:pPr indent="-298450" lvl="0" marL="457200" rtl="0" algn="l">
+              <a:spcBef>
+                <a:spcPts val="0"/>
+              </a:spcBef>
+              <a:spcAft>
+                <a:spcPts val="0"/>
+              </a:spcAft>
+              <a:buSzPts val="1100"/>
+              <a:buChar char="-"/>
+            </a:pPr>
+            <a:r>
+              <a:rPr lang="de"/>
+              <a:t>…</a:t>
+            </a:r>
+            <a:endParaRPr/>
+          </a:p>
+          <a:p>
+            <a:pPr indent="-298450" lvl="0" marL="457200" rtl="0" algn="l">
+              <a:spcBef>
+                <a:spcPts val="0"/>
+              </a:spcBef>
+              <a:spcAft>
+                <a:spcPts val="0"/>
+              </a:spcAft>
+              <a:buSzPts val="1100"/>
+              <a:buChar char="-"/>
+            </a:pPr>
+            <a:r>
+              <a:rPr lang="de"/>
+              <a:t>Nun ist das so, dass bei der Initialisierung die Parameter aus einer Gaußverteilung mit Mittelwert 0 gezogen werden</a:t>
+            </a:r>
+            <a:endParaRPr/>
+          </a:p>
+          <a:p>
+            <a:pPr indent="-298450" lvl="0" marL="457200" rtl="0" algn="l">
+              <a:spcBef>
+                <a:spcPts val="0"/>
+              </a:spcBef>
+              <a:spcAft>
+                <a:spcPts val="0"/>
+              </a:spcAft>
+              <a:buSzPts val="1100"/>
+              <a:buChar char="-"/>
+            </a:pPr>
+            <a:r>
+              <a:rPr lang="de"/>
+              <a:t>…</a:t>
+            </a:r>
+            <a:endParaRPr/>
+          </a:p>
+          <a:p>
+            <a:pPr indent="-298450" lvl="0" marL="457200" rtl="0" algn="l">
+              <a:spcBef>
+                <a:spcPts val="0"/>
+              </a:spcBef>
+              <a:spcAft>
+                <a:spcPts val="0"/>
+              </a:spcAft>
+              <a:buSzPts val="1100"/>
+              <a:buChar char="-"/>
+            </a:pPr>
+            <a:r>
+              <a:rPr lang="de"/>
+              <a:t>solver findet bei der großen Anzahl an Parametern einfach keinen Weg mit den gegebenen Trainingsdaten und Trainingszeit</a:t>
+            </a:r>
+            <a:endParaRPr/>
+          </a:p>
+          <a:p>
+            <a:pPr indent="-298450" lvl="0" marL="457200" rtl="0" algn="l">
+              <a:spcBef>
+                <a:spcPts val="0"/>
+              </a:spcBef>
+              <a:spcAft>
+                <a:spcPts val="0"/>
+              </a:spcAft>
+              <a:buSzPts val="1100"/>
+              <a:buChar char="-"/>
+            </a:pPr>
+            <a:r>
+              <a:rPr lang="de"/>
+              <a:t>genauso schwer wie jede andere Funktion</a:t>
+            </a:r>
+            <a:endParaRPr/>
+          </a:p>
+          <a:p>
+            <a:pPr indent="-298450" lvl="0" marL="457200" rtl="0" algn="l">
+              <a:spcBef>
+                <a:spcPts val="0"/>
+              </a:spcBef>
+              <a:spcAft>
+                <a:spcPts val="0"/>
+              </a:spcAft>
+              <a:buSzPts val="1100"/>
+              <a:buChar char="-"/>
+            </a:pPr>
+            <a:r>
+              <a:rPr lang="de"/>
+              <a:t>dadurch entstehen layer, die der Performance schaden können</a:t>
+            </a:r>
+            <a:endParaRPr/>
+          </a:p>
+          <a:p>
+            <a:pPr indent="-298450" lvl="0" marL="457200" rtl="0" algn="l">
+              <a:spcBef>
+                <a:spcPts val="0"/>
+              </a:spcBef>
+              <a:spcAft>
+                <a:spcPts val="0"/>
+              </a:spcAft>
+              <a:buSzPts val="1100"/>
+              <a:buChar char="-"/>
             </a:pPr>
             <a:r>
               <a:t/>
@@ -2611,7 +3451,7 @@
   <p:cSld>
     <p:spTree>
       <p:nvGrpSpPr>
-        <p:cNvPr id="121" name="Shape 121"/>
+        <p:cNvPr id="125" name="Shape 125"/>
         <p:cNvGrpSpPr/>
         <p:nvPr/>
       </p:nvGrpSpPr>
@@ -2625,7 +3465,7 @@
       </p:grpSpPr>
       <p:sp>
         <p:nvSpPr>
-          <p:cNvPr id="122" name="Google Shape;122;gb7d9aff946_0_162:notes"/>
+          <p:cNvPr id="126" name="Google Shape;126;gb7d9aff946_0_162:notes"/>
           <p:cNvSpPr/>
           <p:nvPr>
             <p:ph idx="2" type="sldImg"/>
@@ -2660,7 +3500,7 @@
       </p:sp>
       <p:sp>
         <p:nvSpPr>
-          <p:cNvPr id="123" name="Google Shape;123;gb7d9aff946_0_162:notes"/>
+          <p:cNvPr id="127" name="Google Shape;127;gb7d9aff946_0_162:notes"/>
           <p:cNvSpPr txBox="1"/>
           <p:nvPr>
             <p:ph idx="1" type="body"/>
@@ -2681,17 +3521,26 @@
           </a:bodyPr>
           <a:lstStyle/>
           <a:p>
-            <a:pPr indent="0" lvl="0" marL="0" rtl="0" algn="l">
-              <a:spcBef>
-                <a:spcPts val="0"/>
-              </a:spcBef>
-              <a:spcAft>
-                <a:spcPts val="0"/>
-              </a:spcAft>
-              <a:buNone/>
+            <a:pPr indent="-298450" lvl="0" marL="457200" rtl="0" algn="l">
+              <a:spcBef>
+                <a:spcPts val="0"/>
+              </a:spcBef>
+              <a:spcAft>
+                <a:spcPts val="0"/>
+              </a:spcAft>
+              <a:buClr>
+                <a:schemeClr val="dk1"/>
+              </a:buClr>
+              <a:buSzPts val="1100"/>
+              <a:buChar char="-"/>
             </a:pPr>
             <a:r>
-              <a:t/>
+              <a:rPr lang="de">
+                <a:solidFill>
+                  <a:schemeClr val="dk1"/>
+                </a:solidFill>
+              </a:rPr>
+              <a:t>genau hier setzen ResNets ein und bieten dafür eine Lösung</a:t>
             </a:r>
             <a:endParaRPr/>
           </a:p>
@@ -8117,7 +8966,7 @@
   <p:cSld>
     <p:spTree>
       <p:nvGrpSpPr>
-        <p:cNvPr id="130" name="Shape 130"/>
+        <p:cNvPr id="134" name="Shape 134"/>
         <p:cNvGrpSpPr/>
         <p:nvPr/>
       </p:nvGrpSpPr>
@@ -8131,7 +8980,7 @@
       </p:grpSpPr>
       <p:sp>
         <p:nvSpPr>
-          <p:cNvPr id="131" name="Google Shape;131;p22"/>
+          <p:cNvPr id="135" name="Google Shape;135;p22"/>
           <p:cNvSpPr txBox="1"/>
           <p:nvPr>
             <p:ph type="title"/>
@@ -8171,7 +9020,7 @@
       </p:sp>
       <p:sp>
         <p:nvSpPr>
-          <p:cNvPr id="132" name="Google Shape;132;p22"/>
+          <p:cNvPr id="136" name="Google Shape;136;p22"/>
           <p:cNvSpPr txBox="1"/>
           <p:nvPr>
             <p:ph idx="12" type="sldNum"/>
@@ -8227,7 +9076,7 @@
       </p:sp>
       <p:pic>
         <p:nvPicPr>
-          <p:cNvPr id="133" name="Google Shape;133;p22"/>
+          <p:cNvPr id="137" name="Google Shape;137;p22"/>
           <p:cNvPicPr preferRelativeResize="0"/>
           <p:nvPr/>
         </p:nvPicPr>
@@ -8255,7 +9104,7 @@
       </p:pic>
       <p:sp>
         <p:nvSpPr>
-          <p:cNvPr id="134" name="Google Shape;134;p22"/>
+          <p:cNvPr id="138" name="Google Shape;138;p22"/>
           <p:cNvSpPr txBox="1"/>
           <p:nvPr/>
         </p:nvSpPr>
@@ -8381,7 +9230,7 @@
       </p:sp>
       <p:sp>
         <p:nvSpPr>
-          <p:cNvPr id="135" name="Google Shape;135;p22"/>
+          <p:cNvPr id="139" name="Google Shape;139;p22"/>
           <p:cNvSpPr txBox="1"/>
           <p:nvPr/>
         </p:nvSpPr>
@@ -8466,7 +9315,7 @@
       </p:sp>
       <p:sp>
         <p:nvSpPr>
-          <p:cNvPr id="136" name="Google Shape;136;p22"/>
+          <p:cNvPr id="140" name="Google Shape;140;p22"/>
           <p:cNvSpPr txBox="1"/>
           <p:nvPr/>
         </p:nvSpPr>
@@ -8585,7 +9434,7 @@
                                           </p:stCondLst>
                                         </p:cTn>
                                         <p:tgtEl>
-                                          <p:spTgt spid="134"/>
+                                          <p:spTgt spid="138"/>
                                         </p:tgtEl>
                                         <p:attrNameLst>
                                           <p:attrName>style.visibility</p:attrName>
@@ -8599,7 +9448,7 @@
                                       <p:cBhvr>
                                         <p:cTn dur="1000"/>
                                         <p:tgtEl>
-                                          <p:spTgt spid="134"/>
+                                          <p:spTgt spid="138"/>
                                         </p:tgtEl>
                                       </p:cBhvr>
                                     </p:animEffect>
@@ -8638,7 +9487,7 @@
                                           </p:stCondLst>
                                         </p:cTn>
                                         <p:tgtEl>
-                                          <p:spTgt spid="133"/>
+                                          <p:spTgt spid="137"/>
                                         </p:tgtEl>
                                         <p:attrNameLst>
                                           <p:attrName>style.visibility</p:attrName>
@@ -8652,7 +9501,7 @@
                                       <p:cBhvr>
                                         <p:cTn dur="1000"/>
                                         <p:tgtEl>
-                                          <p:spTgt spid="133"/>
+                                          <p:spTgt spid="137"/>
                                         </p:tgtEl>
                                       </p:cBhvr>
                                     </p:animEffect>
@@ -8691,7 +9540,7 @@
                                           </p:stCondLst>
                                         </p:cTn>
                                         <p:tgtEl>
-                                          <p:spTgt spid="135"/>
+                                          <p:spTgt spid="139"/>
                                         </p:tgtEl>
                                         <p:attrNameLst>
                                           <p:attrName>style.visibility</p:attrName>
@@ -8705,7 +9554,7 @@
                                       <p:cBhvr>
                                         <p:cTn dur="1000"/>
                                         <p:tgtEl>
-                                          <p:spTgt spid="135"/>
+                                          <p:spTgt spid="139"/>
                                         </p:tgtEl>
                                       </p:cBhvr>
                                     </p:animEffect>
@@ -8744,7 +9593,7 @@
                                           </p:stCondLst>
                                         </p:cTn>
                                         <p:tgtEl>
-                                          <p:spTgt spid="136"/>
+                                          <p:spTgt spid="140"/>
                                         </p:tgtEl>
                                         <p:attrNameLst>
                                           <p:attrName>style.visibility</p:attrName>
@@ -8758,7 +9607,7 @@
                                       <p:cBhvr>
                                         <p:cTn dur="1000"/>
                                         <p:tgtEl>
-                                          <p:spTgt spid="136"/>
+                                          <p:spTgt spid="140"/>
                                         </p:tgtEl>
                                       </p:cBhvr>
                                     </p:animEffect>
@@ -8801,7 +9650,7 @@
   <p:cSld>
     <p:spTree>
       <p:nvGrpSpPr>
-        <p:cNvPr id="140" name="Shape 140"/>
+        <p:cNvPr id="144" name="Shape 144"/>
         <p:cNvGrpSpPr/>
         <p:nvPr/>
       </p:nvGrpSpPr>
@@ -8815,7 +9664,7 @@
       </p:grpSpPr>
       <p:sp>
         <p:nvSpPr>
-          <p:cNvPr id="141" name="Google Shape;141;p23"/>
+          <p:cNvPr id="145" name="Google Shape;145;p23"/>
           <p:cNvSpPr txBox="1"/>
           <p:nvPr>
             <p:ph type="title"/>
@@ -8855,7 +9704,7 @@
       </p:sp>
       <p:sp>
         <p:nvSpPr>
-          <p:cNvPr id="142" name="Google Shape;142;p23"/>
+          <p:cNvPr id="146" name="Google Shape;146;p23"/>
           <p:cNvSpPr txBox="1"/>
           <p:nvPr>
             <p:ph idx="12" type="sldNum"/>
@@ -8911,7 +9760,7 @@
       </p:sp>
       <p:pic>
         <p:nvPicPr>
-          <p:cNvPr id="143" name="Google Shape;143;p23"/>
+          <p:cNvPr id="147" name="Google Shape;147;p23"/>
           <p:cNvPicPr preferRelativeResize="0"/>
           <p:nvPr/>
         </p:nvPicPr>
@@ -8939,7 +9788,7 @@
       </p:pic>
       <p:cxnSp>
         <p:nvCxnSpPr>
-          <p:cNvPr id="144" name="Google Shape;144;p23"/>
+          <p:cNvPr id="148" name="Google Shape;148;p23"/>
           <p:cNvCxnSpPr/>
           <p:nvPr/>
         </p:nvCxnSpPr>
@@ -8965,7 +9814,7 @@
       </p:cxnSp>
       <p:sp>
         <p:nvSpPr>
-          <p:cNvPr id="145" name="Google Shape;145;p23"/>
+          <p:cNvPr id="149" name="Google Shape;149;p23"/>
           <p:cNvSpPr txBox="1"/>
           <p:nvPr/>
         </p:nvSpPr>
@@ -9023,7 +9872,7 @@
       </p:sp>
       <p:cxnSp>
         <p:nvCxnSpPr>
-          <p:cNvPr id="146" name="Google Shape;146;p23"/>
+          <p:cNvPr id="150" name="Google Shape;150;p23"/>
           <p:cNvCxnSpPr/>
           <p:nvPr/>
         </p:nvCxnSpPr>
@@ -9049,7 +9898,7 @@
       </p:cxnSp>
       <p:sp>
         <p:nvSpPr>
-          <p:cNvPr id="147" name="Google Shape;147;p23"/>
+          <p:cNvPr id="151" name="Google Shape;151;p23"/>
           <p:cNvSpPr txBox="1"/>
           <p:nvPr/>
         </p:nvSpPr>
@@ -9107,7 +9956,7 @@
       </p:sp>
       <p:sp>
         <p:nvSpPr>
-          <p:cNvPr id="148" name="Google Shape;148;p23"/>
+          <p:cNvPr id="152" name="Google Shape;152;p23"/>
           <p:cNvSpPr txBox="1"/>
           <p:nvPr/>
         </p:nvSpPr>
@@ -9177,7 +10026,7 @@
       </p:sp>
       <p:sp>
         <p:nvSpPr>
-          <p:cNvPr id="149" name="Google Shape;149;p23"/>
+          <p:cNvPr id="153" name="Google Shape;153;p23"/>
           <p:cNvSpPr txBox="1"/>
           <p:nvPr/>
         </p:nvSpPr>
@@ -9296,7 +10145,7 @@
                                           </p:stCondLst>
                                         </p:cTn>
                                         <p:tgtEl>
-                                          <p:spTgt spid="145"/>
+                                          <p:spTgt spid="149"/>
                                         </p:tgtEl>
                                         <p:attrNameLst>
                                           <p:attrName>style.visibility</p:attrName>
@@ -9310,7 +10159,7 @@
                                       <p:cBhvr>
                                         <p:cTn dur="1000"/>
                                         <p:tgtEl>
-                                          <p:spTgt spid="145"/>
+                                          <p:spTgt spid="149"/>
                                         </p:tgtEl>
                                       </p:cBhvr>
                                     </p:animEffect>
@@ -9331,7 +10180,7 @@
                                           </p:stCondLst>
                                         </p:cTn>
                                         <p:tgtEl>
-                                          <p:spTgt spid="144"/>
+                                          <p:spTgt spid="148"/>
                                         </p:tgtEl>
                                         <p:attrNameLst>
                                           <p:attrName>style.visibility</p:attrName>
@@ -9345,7 +10194,7 @@
                                       <p:cBhvr>
                                         <p:cTn dur="1000"/>
                                         <p:tgtEl>
-                                          <p:spTgt spid="144"/>
+                                          <p:spTgt spid="148"/>
                                         </p:tgtEl>
                                       </p:cBhvr>
                                     </p:animEffect>
@@ -9384,7 +10233,7 @@
                                           </p:stCondLst>
                                         </p:cTn>
                                         <p:tgtEl>
-                                          <p:spTgt spid="146"/>
+                                          <p:spTgt spid="150"/>
                                         </p:tgtEl>
                                         <p:attrNameLst>
                                           <p:attrName>style.visibility</p:attrName>
@@ -9398,7 +10247,7 @@
                                       <p:cBhvr>
                                         <p:cTn dur="1000"/>
                                         <p:tgtEl>
-                                          <p:spTgt spid="146"/>
+                                          <p:spTgt spid="150"/>
                                         </p:tgtEl>
                                       </p:cBhvr>
                                     </p:animEffect>
@@ -9419,7 +10268,7 @@
                                           </p:stCondLst>
                                         </p:cTn>
                                         <p:tgtEl>
-                                          <p:spTgt spid="147"/>
+                                          <p:spTgt spid="151"/>
                                         </p:tgtEl>
                                         <p:attrNameLst>
                                           <p:attrName>style.visibility</p:attrName>
@@ -9433,7 +10282,7 @@
                                       <p:cBhvr>
                                         <p:cTn dur="1000"/>
                                         <p:tgtEl>
-                                          <p:spTgt spid="147"/>
+                                          <p:spTgt spid="151"/>
                                         </p:tgtEl>
                                       </p:cBhvr>
                                     </p:animEffect>
@@ -9472,7 +10321,7 @@
                                           </p:stCondLst>
                                         </p:cTn>
                                         <p:tgtEl>
-                                          <p:spTgt spid="149"/>
+                                          <p:spTgt spid="153"/>
                                         </p:tgtEl>
                                         <p:attrNameLst>
                                           <p:attrName>style.visibility</p:attrName>
@@ -9486,7 +10335,7 @@
                                       <p:cBhvr>
                                         <p:cTn dur="1000"/>
                                         <p:tgtEl>
-                                          <p:spTgt spid="149"/>
+                                          <p:spTgt spid="153"/>
                                         </p:tgtEl>
                                       </p:cBhvr>
                                     </p:animEffect>
@@ -9525,7 +10374,7 @@
                                           </p:stCondLst>
                                         </p:cTn>
                                         <p:tgtEl>
-                                          <p:spTgt spid="148"/>
+                                          <p:spTgt spid="152"/>
                                         </p:tgtEl>
                                         <p:attrNameLst>
                                           <p:attrName>style.visibility</p:attrName>
@@ -9539,7 +10388,7 @@
                                       <p:cBhvr>
                                         <p:cTn dur="1000"/>
                                         <p:tgtEl>
-                                          <p:spTgt spid="148"/>
+                                          <p:spTgt spid="152"/>
                                         </p:tgtEl>
                                       </p:cBhvr>
                                     </p:animEffect>
@@ -9582,7 +10431,7 @@
   <p:cSld>
     <p:spTree>
       <p:nvGrpSpPr>
-        <p:cNvPr id="153" name="Shape 153"/>
+        <p:cNvPr id="157" name="Shape 157"/>
         <p:cNvGrpSpPr/>
         <p:nvPr/>
       </p:nvGrpSpPr>
@@ -9596,7 +10445,7 @@
       </p:grpSpPr>
       <p:sp>
         <p:nvSpPr>
-          <p:cNvPr id="154" name="Google Shape;154;p24"/>
+          <p:cNvPr id="158" name="Google Shape;158;p24"/>
           <p:cNvSpPr txBox="1"/>
           <p:nvPr>
             <p:ph type="title"/>
@@ -9636,7 +10485,7 @@
       </p:sp>
       <p:sp>
         <p:nvSpPr>
-          <p:cNvPr id="155" name="Google Shape;155;p24"/>
+          <p:cNvPr id="159" name="Google Shape;159;p24"/>
           <p:cNvSpPr txBox="1"/>
           <p:nvPr>
             <p:ph idx="12" type="sldNum"/>
@@ -9692,7 +10541,7 @@
       </p:sp>
       <p:pic>
         <p:nvPicPr>
-          <p:cNvPr id="156" name="Google Shape;156;p24"/>
+          <p:cNvPr id="160" name="Google Shape;160;p24"/>
           <p:cNvPicPr preferRelativeResize="0"/>
           <p:nvPr/>
         </p:nvPicPr>
@@ -9720,9 +10569,9 @@
       </p:pic>
       <p:cxnSp>
         <p:nvCxnSpPr>
-          <p:cNvPr id="157" name="Google Shape;157;p24"/>
+          <p:cNvPr id="161" name="Google Shape;161;p24"/>
           <p:cNvCxnSpPr>
-            <a:endCxn id="156" idx="3"/>
+            <a:endCxn id="160" idx="3"/>
           </p:cNvCxnSpPr>
           <p:nvPr/>
         </p:nvCxnSpPr>
@@ -9748,7 +10597,7 @@
       </p:cxnSp>
       <p:sp>
         <p:nvSpPr>
-          <p:cNvPr id="158" name="Google Shape;158;p24"/>
+          <p:cNvPr id="162" name="Google Shape;162;p24"/>
           <p:cNvSpPr txBox="1"/>
           <p:nvPr/>
         </p:nvSpPr>
@@ -9843,7 +10692,7 @@
                                           </p:stCondLst>
                                         </p:cTn>
                                         <p:tgtEl>
-                                          <p:spTgt spid="157"/>
+                                          <p:spTgt spid="161"/>
                                         </p:tgtEl>
                                         <p:attrNameLst>
                                           <p:attrName>style.visibility</p:attrName>
@@ -9857,7 +10706,7 @@
                                       <p:cBhvr>
                                         <p:cTn dur="1000"/>
                                         <p:tgtEl>
-                                          <p:spTgt spid="157"/>
+                                          <p:spTgt spid="161"/>
                                         </p:tgtEl>
                                       </p:cBhvr>
                                     </p:animEffect>
@@ -9878,7 +10727,7 @@
                                           </p:stCondLst>
                                         </p:cTn>
                                         <p:tgtEl>
-                                          <p:spTgt spid="158"/>
+                                          <p:spTgt spid="162"/>
                                         </p:tgtEl>
                                         <p:attrNameLst>
                                           <p:attrName>style.visibility</p:attrName>
@@ -9892,7 +10741,7 @@
                                       <p:cBhvr>
                                         <p:cTn dur="1000"/>
                                         <p:tgtEl>
-                                          <p:spTgt spid="158"/>
+                                          <p:spTgt spid="162"/>
                                         </p:tgtEl>
                                       </p:cBhvr>
                                     </p:animEffect>
@@ -9935,7 +10784,7 @@
   <p:cSld>
     <p:spTree>
       <p:nvGrpSpPr>
-        <p:cNvPr id="162" name="Shape 162"/>
+        <p:cNvPr id="166" name="Shape 166"/>
         <p:cNvGrpSpPr/>
         <p:nvPr/>
       </p:nvGrpSpPr>
@@ -9949,7 +10798,7 @@
       </p:grpSpPr>
       <p:sp>
         <p:nvSpPr>
-          <p:cNvPr id="163" name="Google Shape;163;p25"/>
+          <p:cNvPr id="167" name="Google Shape;167;p25"/>
           <p:cNvSpPr txBox="1"/>
           <p:nvPr>
             <p:ph type="title"/>
@@ -9989,7 +10838,7 @@
       </p:sp>
       <p:sp>
         <p:nvSpPr>
-          <p:cNvPr id="164" name="Google Shape;164;p25"/>
+          <p:cNvPr id="168" name="Google Shape;168;p25"/>
           <p:cNvSpPr txBox="1"/>
           <p:nvPr>
             <p:ph idx="12" type="sldNum"/>
@@ -10043,37 +10892,9 @@
           </a:p>
         </p:txBody>
       </p:sp>
-      <p:pic>
-        <p:nvPicPr>
-          <p:cNvPr id="165" name="Google Shape;165;p25"/>
-          <p:cNvPicPr preferRelativeResize="0"/>
-          <p:nvPr/>
-        </p:nvPicPr>
-        <p:blipFill>
-          <a:blip r:embed="rId3">
-            <a:alphaModFix/>
-          </a:blip>
-          <a:stretch>
-            <a:fillRect/>
-          </a:stretch>
-        </p:blipFill>
-        <p:spPr>
-          <a:xfrm>
-            <a:off x="5200650" y="176263"/>
-            <a:ext cx="2326170" cy="4790976"/>
-          </a:xfrm>
-          <a:prstGeom prst="rect">
-            <a:avLst/>
-          </a:prstGeom>
-          <a:noFill/>
-          <a:ln>
-            <a:noFill/>
-          </a:ln>
-        </p:spPr>
-      </p:pic>
       <p:sp>
         <p:nvSpPr>
-          <p:cNvPr id="166" name="Google Shape;166;p25"/>
+          <p:cNvPr id="169" name="Google Shape;169;p25"/>
           <p:cNvSpPr txBox="1"/>
           <p:nvPr/>
         </p:nvSpPr>
@@ -10143,7 +10964,7 @@
       </p:sp>
       <p:sp>
         <p:nvSpPr>
-          <p:cNvPr id="167" name="Google Shape;167;p25"/>
+          <p:cNvPr id="170" name="Google Shape;170;p25"/>
           <p:cNvSpPr txBox="1"/>
           <p:nvPr/>
         </p:nvSpPr>
@@ -10211,6 +11032,34 @@
           </a:p>
         </p:txBody>
       </p:sp>
+      <p:pic>
+        <p:nvPicPr>
+          <p:cNvPr id="171" name="Google Shape;171;p25"/>
+          <p:cNvPicPr preferRelativeResize="0"/>
+          <p:nvPr/>
+        </p:nvPicPr>
+        <p:blipFill>
+          <a:blip r:embed="rId3">
+            <a:alphaModFix/>
+          </a:blip>
+          <a:stretch>
+            <a:fillRect/>
+          </a:stretch>
+        </p:blipFill>
+        <p:spPr>
+          <a:xfrm>
+            <a:off x="5541950" y="174350"/>
+            <a:ext cx="2326175" cy="4794789"/>
+          </a:xfrm>
+          <a:prstGeom prst="rect">
+            <a:avLst/>
+          </a:prstGeom>
+          <a:noFill/>
+          <a:ln>
+            <a:noFill/>
+          </a:ln>
+        </p:spPr>
+      </p:pic>
     </p:spTree>
   </p:cSld>
   <p:clrMapOvr>
@@ -10250,7 +11099,7 @@
                                           </p:stCondLst>
                                         </p:cTn>
                                         <p:tgtEl>
-                                          <p:spTgt spid="166"/>
+                                          <p:spTgt spid="169"/>
                                         </p:tgtEl>
                                         <p:attrNameLst>
                                           <p:attrName>style.visibility</p:attrName>
@@ -10264,7 +11113,7 @@
                                       <p:cBhvr>
                                         <p:cTn dur="1000"/>
                                         <p:tgtEl>
-                                          <p:spTgt spid="166"/>
+                                          <p:spTgt spid="169"/>
                                         </p:tgtEl>
                                       </p:cBhvr>
                                     </p:animEffect>
@@ -10285,7 +11134,7 @@
                                           </p:stCondLst>
                                         </p:cTn>
                                         <p:tgtEl>
-                                          <p:spTgt spid="167"/>
+                                          <p:spTgt spid="170"/>
                                         </p:tgtEl>
                                         <p:attrNameLst>
                                           <p:attrName>style.visibility</p:attrName>
@@ -10299,7 +11148,7 @@
                                       <p:cBhvr>
                                         <p:cTn dur="1000"/>
                                         <p:tgtEl>
-                                          <p:spTgt spid="167"/>
+                                          <p:spTgt spid="170"/>
                                         </p:tgtEl>
                                       </p:cBhvr>
                                     </p:animEffect>
@@ -10342,7 +11191,7 @@
   <p:cSld>
     <p:spTree>
       <p:nvGrpSpPr>
-        <p:cNvPr id="171" name="Shape 171"/>
+        <p:cNvPr id="175" name="Shape 175"/>
         <p:cNvGrpSpPr/>
         <p:nvPr/>
       </p:nvGrpSpPr>
@@ -10356,7 +11205,7 @@
       </p:grpSpPr>
       <p:sp>
         <p:nvSpPr>
-          <p:cNvPr id="172" name="Google Shape;172;p26"/>
+          <p:cNvPr id="176" name="Google Shape;176;p26"/>
           <p:cNvSpPr txBox="1"/>
           <p:nvPr>
             <p:ph type="title"/>
@@ -10396,7 +11245,7 @@
       </p:sp>
       <p:sp>
         <p:nvSpPr>
-          <p:cNvPr id="173" name="Google Shape;173;p26"/>
+          <p:cNvPr id="177" name="Google Shape;177;p26"/>
           <p:cNvSpPr txBox="1"/>
           <p:nvPr>
             <p:ph idx="12" type="sldNum"/>
@@ -10452,7 +11301,7 @@
       </p:sp>
       <p:pic>
         <p:nvPicPr>
-          <p:cNvPr id="174" name="Google Shape;174;p26"/>
+          <p:cNvPr id="178" name="Google Shape;178;p26"/>
           <p:cNvPicPr preferRelativeResize="0"/>
           <p:nvPr/>
         </p:nvPicPr>
@@ -10480,7 +11329,7 @@
       </p:pic>
       <p:sp>
         <p:nvSpPr>
-          <p:cNvPr id="175" name="Google Shape;175;p26"/>
+          <p:cNvPr id="179" name="Google Shape;179;p26"/>
           <p:cNvSpPr txBox="1"/>
           <p:nvPr/>
         </p:nvSpPr>
@@ -10549,7 +11398,7 @@
   <p:cSld>
     <p:spTree>
       <p:nvGrpSpPr>
-        <p:cNvPr id="179" name="Shape 179"/>
+        <p:cNvPr id="183" name="Shape 183"/>
         <p:cNvGrpSpPr/>
         <p:nvPr/>
       </p:nvGrpSpPr>
@@ -10563,7 +11412,7 @@
       </p:grpSpPr>
       <p:sp>
         <p:nvSpPr>
-          <p:cNvPr id="180" name="Google Shape;180;p27"/>
+          <p:cNvPr id="184" name="Google Shape;184;p27"/>
           <p:cNvSpPr txBox="1"/>
           <p:nvPr>
             <p:ph type="title"/>
@@ -10618,7 +11467,7 @@
       </p:sp>
       <p:sp>
         <p:nvSpPr>
-          <p:cNvPr id="181" name="Google Shape;181;p27"/>
+          <p:cNvPr id="185" name="Google Shape;185;p27"/>
           <p:cNvSpPr txBox="1"/>
           <p:nvPr>
             <p:ph idx="12" type="sldNum"/>
@@ -10674,7 +11523,7 @@
       </p:sp>
       <p:pic>
         <p:nvPicPr>
-          <p:cNvPr id="182" name="Google Shape;182;p27"/>
+          <p:cNvPr id="186" name="Google Shape;186;p27"/>
           <p:cNvPicPr preferRelativeResize="0"/>
           <p:nvPr/>
         </p:nvPicPr>
@@ -10702,7 +11551,7 @@
       </p:pic>
       <p:sp>
         <p:nvSpPr>
-          <p:cNvPr id="183" name="Google Shape;183;p27"/>
+          <p:cNvPr id="187" name="Google Shape;187;p27"/>
           <p:cNvSpPr txBox="1"/>
           <p:nvPr/>
         </p:nvSpPr>
@@ -10848,7 +11697,7 @@
       </p:sp>
       <p:sp>
         <p:nvSpPr>
-          <p:cNvPr id="184" name="Google Shape;184;p27"/>
+          <p:cNvPr id="188" name="Google Shape;188;p27"/>
           <p:cNvSpPr txBox="1"/>
           <p:nvPr/>
         </p:nvSpPr>
@@ -10955,7 +11804,7 @@
                                           </p:stCondLst>
                                         </p:cTn>
                                         <p:tgtEl>
-                                          <p:spTgt spid="183"/>
+                                          <p:spTgt spid="187"/>
                                         </p:tgtEl>
                                         <p:attrNameLst>
                                           <p:attrName>style.visibility</p:attrName>
@@ -10969,7 +11818,7 @@
                                       <p:cBhvr>
                                         <p:cTn dur="1000"/>
                                         <p:tgtEl>
-                                          <p:spTgt spid="183"/>
+                                          <p:spTgt spid="187"/>
                                         </p:tgtEl>
                                       </p:cBhvr>
                                     </p:animEffect>
@@ -11008,7 +11857,7 @@
                                           </p:stCondLst>
                                         </p:cTn>
                                         <p:tgtEl>
-                                          <p:spTgt spid="184"/>
+                                          <p:spTgt spid="188"/>
                                         </p:tgtEl>
                                         <p:attrNameLst>
                                           <p:attrName>style.visibility</p:attrName>
@@ -11022,7 +11871,7 @@
                                       <p:cBhvr>
                                         <p:cTn dur="1000"/>
                                         <p:tgtEl>
-                                          <p:spTgt spid="184"/>
+                                          <p:spTgt spid="188"/>
                                         </p:tgtEl>
                                       </p:cBhvr>
                                     </p:animEffect>
@@ -11065,7 +11914,7 @@
   <p:cSld>
     <p:spTree>
       <p:nvGrpSpPr>
-        <p:cNvPr id="188" name="Shape 188"/>
+        <p:cNvPr id="192" name="Shape 192"/>
         <p:cNvGrpSpPr/>
         <p:nvPr/>
       </p:nvGrpSpPr>
@@ -11079,7 +11928,7 @@
       </p:grpSpPr>
       <p:sp>
         <p:nvSpPr>
-          <p:cNvPr id="189" name="Google Shape;189;p28"/>
+          <p:cNvPr id="193" name="Google Shape;193;p28"/>
           <p:cNvSpPr txBox="1"/>
           <p:nvPr>
             <p:ph type="title"/>
@@ -11119,7 +11968,7 @@
       </p:sp>
       <p:sp>
         <p:nvSpPr>
-          <p:cNvPr id="190" name="Google Shape;190;p28"/>
+          <p:cNvPr id="194" name="Google Shape;194;p28"/>
           <p:cNvSpPr txBox="1"/>
           <p:nvPr>
             <p:ph idx="12" type="sldNum"/>
@@ -11159,7 +12008,7 @@
       </p:sp>
       <p:sp>
         <p:nvSpPr>
-          <p:cNvPr id="191" name="Google Shape;191;p28"/>
+          <p:cNvPr id="195" name="Google Shape;195;p28"/>
           <p:cNvSpPr txBox="1"/>
           <p:nvPr/>
         </p:nvSpPr>
@@ -11234,14 +12083,14 @@
       </p:sp>
       <p:sp>
         <p:nvSpPr>
-          <p:cNvPr id="192" name="Google Shape;192;p28"/>
+          <p:cNvPr id="196" name="Google Shape;196;p28"/>
           <p:cNvSpPr txBox="1"/>
           <p:nvPr/>
         </p:nvSpPr>
         <p:spPr>
           <a:xfrm>
-            <a:off x="811125" y="1995850"/>
-            <a:ext cx="4717500" cy="433500"/>
+            <a:off x="811125" y="2574175"/>
+            <a:ext cx="4717500" cy="431100"/>
           </a:xfrm>
           <a:prstGeom prst="rect">
             <a:avLst/>
@@ -11309,14 +12158,14 @@
       </p:sp>
       <p:sp>
         <p:nvSpPr>
-          <p:cNvPr id="193" name="Google Shape;193;p28"/>
+          <p:cNvPr id="197" name="Google Shape;197;p28"/>
           <p:cNvSpPr txBox="1"/>
           <p:nvPr/>
         </p:nvSpPr>
         <p:spPr>
           <a:xfrm>
-            <a:off x="811125" y="2560375"/>
-            <a:ext cx="7040100" cy="433500"/>
+            <a:off x="811125" y="3138700"/>
+            <a:ext cx="7040100" cy="431100"/>
           </a:xfrm>
           <a:prstGeom prst="rect">
             <a:avLst/>
@@ -11368,7 +12217,7 @@
                 <a:cs typeface="Georgia"/>
                 <a:sym typeface="Georgia"/>
               </a:rPr>
-              <a:t>Überspringen der Layer</a:t>
+              <a:t>Überspringen von Layern</a:t>
             </a:r>
             <a:r>
               <a:rPr lang="de" sz="1600">
@@ -11396,14 +12245,14 @@
       </p:sp>
       <p:sp>
         <p:nvSpPr>
-          <p:cNvPr id="194" name="Google Shape;194;p28"/>
+          <p:cNvPr id="198" name="Google Shape;198;p28"/>
           <p:cNvSpPr txBox="1"/>
           <p:nvPr/>
         </p:nvSpPr>
         <p:spPr>
           <a:xfrm>
-            <a:off x="1462150" y="3060588"/>
-            <a:ext cx="4950600" cy="402300"/>
+            <a:off x="1462150" y="3638913"/>
+            <a:ext cx="4950600" cy="400200"/>
           </a:xfrm>
           <a:prstGeom prst="rect">
             <a:avLst/>
@@ -11454,14 +12303,14 @@
       </p:sp>
       <p:sp>
         <p:nvSpPr>
-          <p:cNvPr id="195" name="Google Shape;195;p28"/>
+          <p:cNvPr id="199" name="Google Shape;199;p28"/>
           <p:cNvSpPr txBox="1"/>
           <p:nvPr/>
         </p:nvSpPr>
         <p:spPr>
           <a:xfrm>
-            <a:off x="1462150" y="3510788"/>
-            <a:ext cx="4629300" cy="402300"/>
+            <a:off x="1462150" y="4089113"/>
+            <a:ext cx="4629300" cy="400200"/>
           </a:xfrm>
           <a:prstGeom prst="rect">
             <a:avLst/>
@@ -11524,14 +12373,14 @@
       </p:sp>
       <p:sp>
         <p:nvSpPr>
-          <p:cNvPr id="196" name="Google Shape;196;p28"/>
+          <p:cNvPr id="200" name="Google Shape;200;p28"/>
           <p:cNvSpPr txBox="1"/>
           <p:nvPr/>
         </p:nvSpPr>
         <p:spPr>
           <a:xfrm>
-            <a:off x="811125" y="4060975"/>
-            <a:ext cx="7176900" cy="433500"/>
+            <a:off x="811125" y="2003950"/>
+            <a:ext cx="7176900" cy="431100"/>
           </a:xfrm>
           <a:prstGeom prst="rect">
             <a:avLst/>
@@ -11648,7 +12497,7 @@
                                           </p:stCondLst>
                                         </p:cTn>
                                         <p:tgtEl>
-                                          <p:spTgt spid="191"/>
+                                          <p:spTgt spid="195"/>
                                         </p:tgtEl>
                                         <p:attrNameLst>
                                           <p:attrName>style.visibility</p:attrName>
@@ -11662,7 +12511,7 @@
                                       <p:cBhvr>
                                         <p:cTn dur="300"/>
                                         <p:tgtEl>
-                                          <p:spTgt spid="191"/>
+                                          <p:spTgt spid="195"/>
                                         </p:tgtEl>
                                       </p:cBhvr>
                                     </p:animEffect>
@@ -11701,7 +12550,7 @@
                                           </p:stCondLst>
                                         </p:cTn>
                                         <p:tgtEl>
-                                          <p:spTgt spid="192"/>
+                                          <p:spTgt spid="200"/>
                                         </p:tgtEl>
                                         <p:attrNameLst>
                                           <p:attrName>style.visibility</p:attrName>
@@ -11715,166 +12564,7 @@
                                       <p:cBhvr>
                                         <p:cTn dur="300"/>
                                         <p:tgtEl>
-                                          <p:spTgt spid="192"/>
-                                        </p:tgtEl>
-                                      </p:cBhvr>
-                                    </p:animEffect>
-                                  </p:childTnLst>
-                                </p:cTn>
-                              </p:par>
-                            </p:childTnLst>
-                          </p:cTn>
-                        </p:par>
-                      </p:childTnLst>
-                    </p:cTn>
-                  </p:par>
-                  <p:par>
-                    <p:cTn fill="hold">
-                      <p:stCondLst>
-                        <p:cond delay="indefinite"/>
-                      </p:stCondLst>
-                      <p:childTnLst>
-                        <p:par>
-                          <p:cTn fill="hold">
-                            <p:stCondLst>
-                              <p:cond delay="0"/>
-                            </p:stCondLst>
-                            <p:childTnLst>
-                              <p:par>
-                                <p:cTn fill="hold" nodeType="clickEffect" presetClass="entr" presetID="10" presetSubtype="0">
-                                  <p:stCondLst>
-                                    <p:cond delay="0"/>
-                                  </p:stCondLst>
-                                  <p:childTnLst>
-                                    <p:set>
-                                      <p:cBhvr>
-                                        <p:cTn dur="1" fill="hold">
-                                          <p:stCondLst>
-                                            <p:cond delay="0"/>
-                                          </p:stCondLst>
-                                        </p:cTn>
-                                        <p:tgtEl>
-                                          <p:spTgt spid="193"/>
-                                        </p:tgtEl>
-                                        <p:attrNameLst>
-                                          <p:attrName>style.visibility</p:attrName>
-                                        </p:attrNameLst>
-                                      </p:cBhvr>
-                                      <p:to>
-                                        <p:strVal val="visible"/>
-                                      </p:to>
-                                    </p:set>
-                                    <p:animEffect filter="fade" transition="in">
-                                      <p:cBhvr>
-                                        <p:cTn dur="300"/>
-                                        <p:tgtEl>
-                                          <p:spTgt spid="193"/>
-                                        </p:tgtEl>
-                                      </p:cBhvr>
-                                    </p:animEffect>
-                                  </p:childTnLst>
-                                </p:cTn>
-                              </p:par>
-                            </p:childTnLst>
-                          </p:cTn>
-                        </p:par>
-                      </p:childTnLst>
-                    </p:cTn>
-                  </p:par>
-                  <p:par>
-                    <p:cTn fill="hold">
-                      <p:stCondLst>
-                        <p:cond delay="indefinite"/>
-                      </p:stCondLst>
-                      <p:childTnLst>
-                        <p:par>
-                          <p:cTn fill="hold">
-                            <p:stCondLst>
-                              <p:cond delay="0"/>
-                            </p:stCondLst>
-                            <p:childTnLst>
-                              <p:par>
-                                <p:cTn fill="hold" nodeType="clickEffect" presetClass="entr" presetID="10" presetSubtype="0">
-                                  <p:stCondLst>
-                                    <p:cond delay="0"/>
-                                  </p:stCondLst>
-                                  <p:childTnLst>
-                                    <p:set>
-                                      <p:cBhvr>
-                                        <p:cTn dur="1" fill="hold">
-                                          <p:stCondLst>
-                                            <p:cond delay="0"/>
-                                          </p:stCondLst>
-                                        </p:cTn>
-                                        <p:tgtEl>
-                                          <p:spTgt spid="194"/>
-                                        </p:tgtEl>
-                                        <p:attrNameLst>
-                                          <p:attrName>style.visibility</p:attrName>
-                                        </p:attrNameLst>
-                                      </p:cBhvr>
-                                      <p:to>
-                                        <p:strVal val="visible"/>
-                                      </p:to>
-                                    </p:set>
-                                    <p:animEffect filter="fade" transition="in">
-                                      <p:cBhvr>
-                                        <p:cTn dur="100"/>
-                                        <p:tgtEl>
-                                          <p:spTgt spid="194"/>
-                                        </p:tgtEl>
-                                      </p:cBhvr>
-                                    </p:animEffect>
-                                  </p:childTnLst>
-                                </p:cTn>
-                              </p:par>
-                            </p:childTnLst>
-                          </p:cTn>
-                        </p:par>
-                      </p:childTnLst>
-                    </p:cTn>
-                  </p:par>
-                  <p:par>
-                    <p:cTn fill="hold">
-                      <p:stCondLst>
-                        <p:cond delay="indefinite"/>
-                      </p:stCondLst>
-                      <p:childTnLst>
-                        <p:par>
-                          <p:cTn fill="hold">
-                            <p:stCondLst>
-                              <p:cond delay="0"/>
-                            </p:stCondLst>
-                            <p:childTnLst>
-                              <p:par>
-                                <p:cTn fill="hold" nodeType="clickEffect" presetClass="entr" presetID="10" presetSubtype="0">
-                                  <p:stCondLst>
-                                    <p:cond delay="0"/>
-                                  </p:stCondLst>
-                                  <p:childTnLst>
-                                    <p:set>
-                                      <p:cBhvr>
-                                        <p:cTn dur="1" fill="hold">
-                                          <p:stCondLst>
-                                            <p:cond delay="0"/>
-                                          </p:stCondLst>
-                                        </p:cTn>
-                                        <p:tgtEl>
-                                          <p:spTgt spid="195"/>
-                                        </p:tgtEl>
-                                        <p:attrNameLst>
-                                          <p:attrName>style.visibility</p:attrName>
-                                        </p:attrNameLst>
-                                      </p:cBhvr>
-                                      <p:to>
-                                        <p:strVal val="visible"/>
-                                      </p:to>
-                                    </p:set>
-                                    <p:animEffect filter="fade" transition="in">
-                                      <p:cBhvr>
-                                        <p:cTn dur="100"/>
-                                        <p:tgtEl>
-                                          <p:spTgt spid="195"/>
+                                          <p:spTgt spid="200"/>
                                         </p:tgtEl>
                                       </p:cBhvr>
                                     </p:animEffect>
@@ -11940,6 +12630,165 @@
                       </p:childTnLst>
                     </p:cTn>
                   </p:par>
+                  <p:par>
+                    <p:cTn fill="hold">
+                      <p:stCondLst>
+                        <p:cond delay="indefinite"/>
+                      </p:stCondLst>
+                      <p:childTnLst>
+                        <p:par>
+                          <p:cTn fill="hold">
+                            <p:stCondLst>
+                              <p:cond delay="0"/>
+                            </p:stCondLst>
+                            <p:childTnLst>
+                              <p:par>
+                                <p:cTn fill="hold" nodeType="clickEffect" presetClass="entr" presetID="10" presetSubtype="0">
+                                  <p:stCondLst>
+                                    <p:cond delay="0"/>
+                                  </p:stCondLst>
+                                  <p:childTnLst>
+                                    <p:set>
+                                      <p:cBhvr>
+                                        <p:cTn dur="1" fill="hold">
+                                          <p:stCondLst>
+                                            <p:cond delay="0"/>
+                                          </p:stCondLst>
+                                        </p:cTn>
+                                        <p:tgtEl>
+                                          <p:spTgt spid="197"/>
+                                        </p:tgtEl>
+                                        <p:attrNameLst>
+                                          <p:attrName>style.visibility</p:attrName>
+                                        </p:attrNameLst>
+                                      </p:cBhvr>
+                                      <p:to>
+                                        <p:strVal val="visible"/>
+                                      </p:to>
+                                    </p:set>
+                                    <p:animEffect filter="fade" transition="in">
+                                      <p:cBhvr>
+                                        <p:cTn dur="300"/>
+                                        <p:tgtEl>
+                                          <p:spTgt spid="197"/>
+                                        </p:tgtEl>
+                                      </p:cBhvr>
+                                    </p:animEffect>
+                                  </p:childTnLst>
+                                </p:cTn>
+                              </p:par>
+                            </p:childTnLst>
+                          </p:cTn>
+                        </p:par>
+                      </p:childTnLst>
+                    </p:cTn>
+                  </p:par>
+                  <p:par>
+                    <p:cTn fill="hold">
+                      <p:stCondLst>
+                        <p:cond delay="indefinite"/>
+                      </p:stCondLst>
+                      <p:childTnLst>
+                        <p:par>
+                          <p:cTn fill="hold">
+                            <p:stCondLst>
+                              <p:cond delay="0"/>
+                            </p:stCondLst>
+                            <p:childTnLst>
+                              <p:par>
+                                <p:cTn fill="hold" nodeType="clickEffect" presetClass="entr" presetID="10" presetSubtype="0">
+                                  <p:stCondLst>
+                                    <p:cond delay="0"/>
+                                  </p:stCondLst>
+                                  <p:childTnLst>
+                                    <p:set>
+                                      <p:cBhvr>
+                                        <p:cTn dur="1" fill="hold">
+                                          <p:stCondLst>
+                                            <p:cond delay="0"/>
+                                          </p:stCondLst>
+                                        </p:cTn>
+                                        <p:tgtEl>
+                                          <p:spTgt spid="198"/>
+                                        </p:tgtEl>
+                                        <p:attrNameLst>
+                                          <p:attrName>style.visibility</p:attrName>
+                                        </p:attrNameLst>
+                                      </p:cBhvr>
+                                      <p:to>
+                                        <p:strVal val="visible"/>
+                                      </p:to>
+                                    </p:set>
+                                    <p:animEffect filter="fade" transition="in">
+                                      <p:cBhvr>
+                                        <p:cTn dur="100"/>
+                                        <p:tgtEl>
+                                          <p:spTgt spid="198"/>
+                                        </p:tgtEl>
+                                      </p:cBhvr>
+                                    </p:animEffect>
+                                  </p:childTnLst>
+                                </p:cTn>
+                              </p:par>
+                            </p:childTnLst>
+                          </p:cTn>
+                        </p:par>
+                      </p:childTnLst>
+                    </p:cTn>
+                  </p:par>
+                  <p:par>
+                    <p:cTn fill="hold">
+                      <p:stCondLst>
+                        <p:cond delay="indefinite"/>
+                      </p:stCondLst>
+                      <p:childTnLst>
+                        <p:par>
+                          <p:cTn fill="hold">
+                            <p:stCondLst>
+                              <p:cond delay="0"/>
+                            </p:stCondLst>
+                            <p:childTnLst>
+                              <p:par>
+                                <p:cTn fill="hold" nodeType="clickEffect" presetClass="entr" presetID="10" presetSubtype="0">
+                                  <p:stCondLst>
+                                    <p:cond delay="0"/>
+                                  </p:stCondLst>
+                                  <p:childTnLst>
+                                    <p:set>
+                                      <p:cBhvr>
+                                        <p:cTn dur="1" fill="hold">
+                                          <p:stCondLst>
+                                            <p:cond delay="0"/>
+                                          </p:stCondLst>
+                                        </p:cTn>
+                                        <p:tgtEl>
+                                          <p:spTgt spid="199"/>
+                                        </p:tgtEl>
+                                        <p:attrNameLst>
+                                          <p:attrName>style.visibility</p:attrName>
+                                        </p:attrNameLst>
+                                      </p:cBhvr>
+                                      <p:to>
+                                        <p:strVal val="visible"/>
+                                      </p:to>
+                                    </p:set>
+                                    <p:animEffect filter="fade" transition="in">
+                                      <p:cBhvr>
+                                        <p:cTn dur="100"/>
+                                        <p:tgtEl>
+                                          <p:spTgt spid="199"/>
+                                        </p:tgtEl>
+                                      </p:cBhvr>
+                                    </p:animEffect>
+                                  </p:childTnLst>
+                                </p:cTn>
+                              </p:par>
+                            </p:childTnLst>
+                          </p:cTn>
+                        </p:par>
+                      </p:childTnLst>
+                    </p:cTn>
+                  </p:par>
                 </p:childTnLst>
               </p:cTn>
               <p:prevCondLst>
@@ -11970,7 +12819,7 @@
   <p:cSld>
     <p:spTree>
       <p:nvGrpSpPr>
-        <p:cNvPr id="200" name="Shape 200"/>
+        <p:cNvPr id="204" name="Shape 204"/>
         <p:cNvGrpSpPr/>
         <p:nvPr/>
       </p:nvGrpSpPr>
@@ -11984,7 +12833,7 @@
       </p:grpSpPr>
       <p:sp>
         <p:nvSpPr>
-          <p:cNvPr id="201" name="Google Shape;201;p29"/>
+          <p:cNvPr id="205" name="Google Shape;205;p29"/>
           <p:cNvSpPr txBox="1"/>
           <p:nvPr>
             <p:ph type="title"/>
@@ -12024,7 +12873,7 @@
       </p:sp>
       <p:sp>
         <p:nvSpPr>
-          <p:cNvPr id="202" name="Google Shape;202;p29"/>
+          <p:cNvPr id="206" name="Google Shape;206;p29"/>
           <p:cNvSpPr txBox="1"/>
           <p:nvPr>
             <p:ph idx="1" type="body"/>
@@ -12088,7 +12937,7 @@
       </p:sp>
       <p:sp>
         <p:nvSpPr>
-          <p:cNvPr id="203" name="Google Shape;203;p29"/>
+          <p:cNvPr id="207" name="Google Shape;207;p29"/>
           <p:cNvSpPr txBox="1"/>
           <p:nvPr>
             <p:ph idx="12" type="sldNum"/>
@@ -12128,7 +12977,7 @@
       </p:sp>
       <p:sp>
         <p:nvSpPr>
-          <p:cNvPr id="204" name="Google Shape;204;p29"/>
+          <p:cNvPr id="208" name="Google Shape;208;p29"/>
           <p:cNvSpPr txBox="1"/>
           <p:nvPr>
             <p:ph idx="1" type="body"/>
@@ -12208,7 +13057,7 @@
       </p:sp>
       <p:sp>
         <p:nvSpPr>
-          <p:cNvPr id="205" name="Google Shape;205;p29"/>
+          <p:cNvPr id="209" name="Google Shape;209;p29"/>
           <p:cNvSpPr txBox="1"/>
           <p:nvPr>
             <p:ph idx="1" type="body"/>
@@ -12268,7 +13117,7 @@
       </p:sp>
       <p:pic>
         <p:nvPicPr>
-          <p:cNvPr id="206" name="Google Shape;206;p29"/>
+          <p:cNvPr id="210" name="Google Shape;210;p29"/>
           <p:cNvPicPr preferRelativeResize="0"/>
           <p:nvPr/>
         </p:nvPicPr>
@@ -12296,7 +13145,7 @@
       </p:pic>
       <p:cxnSp>
         <p:nvCxnSpPr>
-          <p:cNvPr id="207" name="Google Shape;207;p29"/>
+          <p:cNvPr id="211" name="Google Shape;211;p29"/>
           <p:cNvCxnSpPr/>
           <p:nvPr/>
         </p:nvCxnSpPr>
@@ -12322,7 +13171,7 @@
       </p:cxnSp>
       <p:cxnSp>
         <p:nvCxnSpPr>
-          <p:cNvPr id="208" name="Google Shape;208;p29"/>
+          <p:cNvPr id="212" name="Google Shape;212;p29"/>
           <p:cNvCxnSpPr/>
           <p:nvPr/>
         </p:nvCxnSpPr>
@@ -12348,7 +13197,7 @@
       </p:cxnSp>
       <p:cxnSp>
         <p:nvCxnSpPr>
-          <p:cNvPr id="209" name="Google Shape;209;p29"/>
+          <p:cNvPr id="213" name="Google Shape;213;p29"/>
           <p:cNvCxnSpPr/>
           <p:nvPr/>
         </p:nvCxnSpPr>
@@ -12411,7 +13260,7 @@
                                           </p:stCondLst>
                                         </p:cTn>
                                         <p:tgtEl>
-                                          <p:spTgt spid="202"/>
+                                          <p:spTgt spid="206"/>
                                         </p:tgtEl>
                                         <p:attrNameLst>
                                           <p:attrName>style.visibility</p:attrName>
@@ -12425,7 +13274,7 @@
                                       <p:cBhvr>
                                         <p:cTn dur="300"/>
                                         <p:tgtEl>
-                                          <p:spTgt spid="202"/>
+                                          <p:spTgt spid="206"/>
                                         </p:tgtEl>
                                       </p:cBhvr>
                                     </p:animEffect>
@@ -12464,7 +13313,7 @@
                                           </p:stCondLst>
                                         </p:cTn>
                                         <p:tgtEl>
-                                          <p:spTgt spid="205"/>
+                                          <p:spTgt spid="209"/>
                                         </p:tgtEl>
                                         <p:attrNameLst>
                                           <p:attrName>style.visibility</p:attrName>
@@ -12477,164 +13326,6 @@
                                     <p:animEffect filter="fade" transition="in">
                                       <p:cBhvr>
                                         <p:cTn dur="300"/>
-                                        <p:tgtEl>
-                                          <p:spTgt spid="205"/>
-                                        </p:tgtEl>
-                                      </p:cBhvr>
-                                    </p:animEffect>
-                                  </p:childTnLst>
-                                </p:cTn>
-                              </p:par>
-                            </p:childTnLst>
-                          </p:cTn>
-                        </p:par>
-                      </p:childTnLst>
-                    </p:cTn>
-                  </p:par>
-                  <p:par>
-                    <p:cTn fill="hold">
-                      <p:stCondLst>
-                        <p:cond delay="indefinite"/>
-                      </p:stCondLst>
-                      <p:childTnLst>
-                        <p:par>
-                          <p:cTn fill="hold">
-                            <p:stCondLst>
-                              <p:cond delay="0"/>
-                            </p:stCondLst>
-                            <p:childTnLst>
-                              <p:par>
-                                <p:cTn fill="hold" nodeType="clickEffect" presetClass="entr" presetID="10" presetSubtype="0">
-                                  <p:stCondLst>
-                                    <p:cond delay="0"/>
-                                  </p:stCondLst>
-                                  <p:childTnLst>
-                                    <p:set>
-                                      <p:cBhvr>
-                                        <p:cTn dur="1" fill="hold">
-                                          <p:stCondLst>
-                                            <p:cond delay="0"/>
-                                          </p:stCondLst>
-                                        </p:cTn>
-                                        <p:tgtEl>
-                                          <p:spTgt spid="206"/>
-                                        </p:tgtEl>
-                                        <p:attrNameLst>
-                                          <p:attrName>style.visibility</p:attrName>
-                                        </p:attrNameLst>
-                                      </p:cBhvr>
-                                      <p:to>
-                                        <p:strVal val="visible"/>
-                                      </p:to>
-                                    </p:set>
-                                    <p:animEffect filter="fade" transition="in">
-                                      <p:cBhvr>
-                                        <p:cTn dur="1000"/>
-                                        <p:tgtEl>
-                                          <p:spTgt spid="206"/>
-                                        </p:tgtEl>
-                                      </p:cBhvr>
-                                    </p:animEffect>
-                                  </p:childTnLst>
-                                </p:cTn>
-                              </p:par>
-                              <p:par>
-                                <p:cTn fill="hold" nodeType="withEffect" presetClass="entr" presetID="10" presetSubtype="0">
-                                  <p:stCondLst>
-                                    <p:cond delay="0"/>
-                                  </p:stCondLst>
-                                  <p:childTnLst>
-                                    <p:set>
-                                      <p:cBhvr>
-                                        <p:cTn dur="1" fill="hold">
-                                          <p:stCondLst>
-                                            <p:cond delay="0"/>
-                                          </p:stCondLst>
-                                        </p:cTn>
-                                        <p:tgtEl>
-                                          <p:spTgt spid="207"/>
-                                        </p:tgtEl>
-                                        <p:attrNameLst>
-                                          <p:attrName>style.visibility</p:attrName>
-                                        </p:attrNameLst>
-                                      </p:cBhvr>
-                                      <p:to>
-                                        <p:strVal val="visible"/>
-                                      </p:to>
-                                    </p:set>
-                                    <p:animEffect filter="fade" transition="in">
-                                      <p:cBhvr>
-                                        <p:cTn dur="1000"/>
-                                        <p:tgtEl>
-                                          <p:spTgt spid="207"/>
-                                        </p:tgtEl>
-                                      </p:cBhvr>
-                                    </p:animEffect>
-                                  </p:childTnLst>
-                                </p:cTn>
-                              </p:par>
-                              <p:par>
-                                <p:cTn fill="hold" nodeType="withEffect" presetClass="entr" presetID="10" presetSubtype="0">
-                                  <p:stCondLst>
-                                    <p:cond delay="0"/>
-                                  </p:stCondLst>
-                                  <p:childTnLst>
-                                    <p:set>
-                                      <p:cBhvr>
-                                        <p:cTn dur="1" fill="hold">
-                                          <p:stCondLst>
-                                            <p:cond delay="0"/>
-                                          </p:stCondLst>
-                                        </p:cTn>
-                                        <p:tgtEl>
-                                          <p:spTgt spid="208"/>
-                                        </p:tgtEl>
-                                        <p:attrNameLst>
-                                          <p:attrName>style.visibility</p:attrName>
-                                        </p:attrNameLst>
-                                      </p:cBhvr>
-                                      <p:to>
-                                        <p:strVal val="visible"/>
-                                      </p:to>
-                                    </p:set>
-                                    <p:animEffect filter="fade" transition="in">
-                                      <p:cBhvr>
-                                        <p:cTn dur="1000"/>
-                                        <p:tgtEl>
-                                          <p:spTgt spid="208"/>
-                                        </p:tgtEl>
-                                      </p:cBhvr>
-                                    </p:animEffect>
-                                  </p:childTnLst>
-                                </p:cTn>
-                              </p:par>
-                              <p:par>
-                                <p:cTn fill="hold" nodeType="withEffect" presetClass="entr" presetID="10" presetSubtype="0">
-                                  <p:stCondLst>
-                                    <p:cond delay="0"/>
-                                  </p:stCondLst>
-                                  <p:childTnLst>
-                                    <p:set>
-                                      <p:cBhvr>
-                                        <p:cTn dur="1" fill="hold">
-                                          <p:stCondLst>
-                                            <p:cond delay="0"/>
-                                          </p:stCondLst>
-                                        </p:cTn>
-                                        <p:tgtEl>
-                                          <p:spTgt spid="209"/>
-                                        </p:tgtEl>
-                                        <p:attrNameLst>
-                                          <p:attrName>style.visibility</p:attrName>
-                                        </p:attrNameLst>
-                                      </p:cBhvr>
-                                      <p:to>
-                                        <p:strVal val="visible"/>
-                                      </p:to>
-                                    </p:set>
-                                    <p:animEffect filter="fade" transition="in">
-                                      <p:cBhvr>
-                                        <p:cTn dur="1300"/>
                                         <p:tgtEl>
                                           <p:spTgt spid="209"/>
                                         </p:tgtEl>
@@ -12675,7 +13366,165 @@
                                           </p:stCondLst>
                                         </p:cTn>
                                         <p:tgtEl>
-                                          <p:spTgt spid="204"/>
+                                          <p:spTgt spid="210"/>
+                                        </p:tgtEl>
+                                        <p:attrNameLst>
+                                          <p:attrName>style.visibility</p:attrName>
+                                        </p:attrNameLst>
+                                      </p:cBhvr>
+                                      <p:to>
+                                        <p:strVal val="visible"/>
+                                      </p:to>
+                                    </p:set>
+                                    <p:animEffect filter="fade" transition="in">
+                                      <p:cBhvr>
+                                        <p:cTn dur="1000"/>
+                                        <p:tgtEl>
+                                          <p:spTgt spid="210"/>
+                                        </p:tgtEl>
+                                      </p:cBhvr>
+                                    </p:animEffect>
+                                  </p:childTnLst>
+                                </p:cTn>
+                              </p:par>
+                              <p:par>
+                                <p:cTn fill="hold" nodeType="withEffect" presetClass="entr" presetID="10" presetSubtype="0">
+                                  <p:stCondLst>
+                                    <p:cond delay="0"/>
+                                  </p:stCondLst>
+                                  <p:childTnLst>
+                                    <p:set>
+                                      <p:cBhvr>
+                                        <p:cTn dur="1" fill="hold">
+                                          <p:stCondLst>
+                                            <p:cond delay="0"/>
+                                          </p:stCondLst>
+                                        </p:cTn>
+                                        <p:tgtEl>
+                                          <p:spTgt spid="211"/>
+                                        </p:tgtEl>
+                                        <p:attrNameLst>
+                                          <p:attrName>style.visibility</p:attrName>
+                                        </p:attrNameLst>
+                                      </p:cBhvr>
+                                      <p:to>
+                                        <p:strVal val="visible"/>
+                                      </p:to>
+                                    </p:set>
+                                    <p:animEffect filter="fade" transition="in">
+                                      <p:cBhvr>
+                                        <p:cTn dur="1000"/>
+                                        <p:tgtEl>
+                                          <p:spTgt spid="211"/>
+                                        </p:tgtEl>
+                                      </p:cBhvr>
+                                    </p:animEffect>
+                                  </p:childTnLst>
+                                </p:cTn>
+                              </p:par>
+                              <p:par>
+                                <p:cTn fill="hold" nodeType="withEffect" presetClass="entr" presetID="10" presetSubtype="0">
+                                  <p:stCondLst>
+                                    <p:cond delay="0"/>
+                                  </p:stCondLst>
+                                  <p:childTnLst>
+                                    <p:set>
+                                      <p:cBhvr>
+                                        <p:cTn dur="1" fill="hold">
+                                          <p:stCondLst>
+                                            <p:cond delay="0"/>
+                                          </p:stCondLst>
+                                        </p:cTn>
+                                        <p:tgtEl>
+                                          <p:spTgt spid="212"/>
+                                        </p:tgtEl>
+                                        <p:attrNameLst>
+                                          <p:attrName>style.visibility</p:attrName>
+                                        </p:attrNameLst>
+                                      </p:cBhvr>
+                                      <p:to>
+                                        <p:strVal val="visible"/>
+                                      </p:to>
+                                    </p:set>
+                                    <p:animEffect filter="fade" transition="in">
+                                      <p:cBhvr>
+                                        <p:cTn dur="1000"/>
+                                        <p:tgtEl>
+                                          <p:spTgt spid="212"/>
+                                        </p:tgtEl>
+                                      </p:cBhvr>
+                                    </p:animEffect>
+                                  </p:childTnLst>
+                                </p:cTn>
+                              </p:par>
+                              <p:par>
+                                <p:cTn fill="hold" nodeType="withEffect" presetClass="entr" presetID="10" presetSubtype="0">
+                                  <p:stCondLst>
+                                    <p:cond delay="0"/>
+                                  </p:stCondLst>
+                                  <p:childTnLst>
+                                    <p:set>
+                                      <p:cBhvr>
+                                        <p:cTn dur="1" fill="hold">
+                                          <p:stCondLst>
+                                            <p:cond delay="0"/>
+                                          </p:stCondLst>
+                                        </p:cTn>
+                                        <p:tgtEl>
+                                          <p:spTgt spid="213"/>
+                                        </p:tgtEl>
+                                        <p:attrNameLst>
+                                          <p:attrName>style.visibility</p:attrName>
+                                        </p:attrNameLst>
+                                      </p:cBhvr>
+                                      <p:to>
+                                        <p:strVal val="visible"/>
+                                      </p:to>
+                                    </p:set>
+                                    <p:animEffect filter="fade" transition="in">
+                                      <p:cBhvr>
+                                        <p:cTn dur="1300"/>
+                                        <p:tgtEl>
+                                          <p:spTgt spid="213"/>
+                                        </p:tgtEl>
+                                      </p:cBhvr>
+                                    </p:animEffect>
+                                  </p:childTnLst>
+                                </p:cTn>
+                              </p:par>
+                            </p:childTnLst>
+                          </p:cTn>
+                        </p:par>
+                      </p:childTnLst>
+                    </p:cTn>
+                  </p:par>
+                  <p:par>
+                    <p:cTn fill="hold">
+                      <p:stCondLst>
+                        <p:cond delay="indefinite"/>
+                      </p:stCondLst>
+                      <p:childTnLst>
+                        <p:par>
+                          <p:cTn fill="hold">
+                            <p:stCondLst>
+                              <p:cond delay="0"/>
+                            </p:stCondLst>
+                            <p:childTnLst>
+                              <p:par>
+                                <p:cTn fill="hold" nodeType="clickEffect" presetClass="entr" presetID="10" presetSubtype="0">
+                                  <p:stCondLst>
+                                    <p:cond delay="0"/>
+                                  </p:stCondLst>
+                                  <p:childTnLst>
+                                    <p:set>
+                                      <p:cBhvr>
+                                        <p:cTn dur="1" fill="hold">
+                                          <p:stCondLst>
+                                            <p:cond delay="0"/>
+                                          </p:stCondLst>
+                                        </p:cTn>
+                                        <p:tgtEl>
+                                          <p:spTgt spid="208"/>
                                         </p:tgtEl>
                                         <p:attrNameLst>
                                           <p:attrName>style.visibility</p:attrName>
@@ -12689,7 +13538,7 @@
                                       <p:cBhvr>
                                         <p:cTn dur="300"/>
                                         <p:tgtEl>
-                                          <p:spTgt spid="204"/>
+                                          <p:spTgt spid="208"/>
                                         </p:tgtEl>
                                       </p:cBhvr>
                                     </p:animEffect>
@@ -12732,7 +13581,7 @@
   <p:cSld>
     <p:spTree>
       <p:nvGrpSpPr>
-        <p:cNvPr id="213" name="Shape 213"/>
+        <p:cNvPr id="217" name="Shape 217"/>
         <p:cNvGrpSpPr/>
         <p:nvPr/>
       </p:nvGrpSpPr>
@@ -12746,7 +13595,7 @@
       </p:grpSpPr>
       <p:sp>
         <p:nvSpPr>
-          <p:cNvPr id="214" name="Google Shape;214;p30"/>
+          <p:cNvPr id="218" name="Google Shape;218;p30"/>
           <p:cNvSpPr txBox="1"/>
           <p:nvPr>
             <p:ph type="title"/>
@@ -12786,7 +13635,7 @@
       </p:sp>
       <p:sp>
         <p:nvSpPr>
-          <p:cNvPr id="215" name="Google Shape;215;p30"/>
+          <p:cNvPr id="219" name="Google Shape;219;p30"/>
           <p:cNvSpPr txBox="1"/>
           <p:nvPr>
             <p:ph idx="12" type="sldNum"/>
@@ -12842,7 +13691,7 @@
       </p:sp>
       <p:pic>
         <p:nvPicPr>
-          <p:cNvPr id="216" name="Google Shape;216;p30"/>
+          <p:cNvPr id="220" name="Google Shape;220;p30"/>
           <p:cNvPicPr preferRelativeResize="0"/>
           <p:nvPr/>
         </p:nvPicPr>
@@ -12870,7 +13719,7 @@
       </p:pic>
       <p:sp>
         <p:nvSpPr>
-          <p:cNvPr id="217" name="Google Shape;217;p30"/>
+          <p:cNvPr id="221" name="Google Shape;221;p30"/>
           <p:cNvSpPr/>
           <p:nvPr/>
         </p:nvSpPr>
@@ -12954,7 +13803,7 @@
                                           </p:stCondLst>
                                         </p:cTn>
                                         <p:tgtEl>
-                                          <p:spTgt spid="217"/>
+                                          <p:spTgt spid="221"/>
                                         </p:tgtEl>
                                         <p:attrNameLst>
                                           <p:attrName>style.visibility</p:attrName>
@@ -12968,7 +13817,7 @@
                                       <p:cBhvr>
                                         <p:cTn dur="1000"/>
                                         <p:tgtEl>
-                                          <p:spTgt spid="217"/>
+                                          <p:spTgt spid="221"/>
                                         </p:tgtEl>
                                       </p:cBhvr>
                                     </p:animEffect>
@@ -13011,7 +13860,7 @@
   <p:cSld>
     <p:spTree>
       <p:nvGrpSpPr>
-        <p:cNvPr id="221" name="Shape 221"/>
+        <p:cNvPr id="225" name="Shape 225"/>
         <p:cNvGrpSpPr/>
         <p:nvPr/>
       </p:nvGrpSpPr>
@@ -13025,7 +13874,7 @@
       </p:grpSpPr>
       <p:sp>
         <p:nvSpPr>
-          <p:cNvPr id="222" name="Google Shape;222;p31"/>
+          <p:cNvPr id="226" name="Google Shape;226;p31"/>
           <p:cNvSpPr txBox="1"/>
           <p:nvPr>
             <p:ph type="title"/>
@@ -13057,7 +13906,7 @@
             </a:pPr>
             <a:r>
               <a:rPr lang="de"/>
-              <a:t>Aufbau, Varianten und Architekturen</a:t>
+              <a:t>Varianten von ResNets</a:t>
             </a:r>
             <a:endParaRPr/>
           </a:p>
@@ -13065,7 +13914,7 @@
       </p:sp>
       <p:sp>
         <p:nvSpPr>
-          <p:cNvPr id="223" name="Google Shape;223;p31"/>
+          <p:cNvPr id="227" name="Google Shape;227;p31"/>
           <p:cNvSpPr txBox="1"/>
           <p:nvPr>
             <p:ph idx="12" type="sldNum"/>
@@ -13121,7 +13970,7 @@
       </p:sp>
       <p:pic>
         <p:nvPicPr>
-          <p:cNvPr id="224" name="Google Shape;224;p31"/>
+          <p:cNvPr id="228" name="Google Shape;228;p31"/>
           <p:cNvPicPr preferRelativeResize="0"/>
           <p:nvPr/>
         </p:nvPicPr>
@@ -13149,7 +13998,7 @@
       </p:pic>
       <p:sp>
         <p:nvSpPr>
-          <p:cNvPr id="225" name="Google Shape;225;p31"/>
+          <p:cNvPr id="229" name="Google Shape;229;p31"/>
           <p:cNvSpPr txBox="1"/>
           <p:nvPr/>
         </p:nvSpPr>
@@ -13219,7 +14068,7 @@
       </p:sp>
       <p:sp>
         <p:nvSpPr>
-          <p:cNvPr id="226" name="Google Shape;226;p31"/>
+          <p:cNvPr id="230" name="Google Shape;230;p31"/>
           <p:cNvSpPr txBox="1"/>
           <p:nvPr/>
         </p:nvSpPr>
@@ -13289,7 +14138,7 @@
       </p:sp>
       <p:sp>
         <p:nvSpPr>
-          <p:cNvPr id="227" name="Google Shape;227;p31"/>
+          <p:cNvPr id="231" name="Google Shape;231;p31"/>
           <p:cNvSpPr txBox="1"/>
           <p:nvPr/>
         </p:nvSpPr>
@@ -13396,7 +14245,7 @@
                                           </p:stCondLst>
                                         </p:cTn>
                                         <p:tgtEl>
-                                          <p:spTgt spid="224"/>
+                                          <p:spTgt spid="228"/>
                                         </p:tgtEl>
                                         <p:attrNameLst>
                                           <p:attrName>style.visibility</p:attrName>
@@ -13410,7 +14259,7 @@
                                       <p:cBhvr>
                                         <p:cTn dur="1000"/>
                                         <p:tgtEl>
-                                          <p:spTgt spid="224"/>
+                                          <p:spTgt spid="228"/>
                                         </p:tgtEl>
                                       </p:cBhvr>
                                     </p:animEffect>
@@ -13431,7 +14280,7 @@
                                           </p:stCondLst>
                                         </p:cTn>
                                         <p:tgtEl>
-                                          <p:spTgt spid="225"/>
+                                          <p:spTgt spid="229"/>
                                         </p:tgtEl>
                                         <p:attrNameLst>
                                           <p:attrName>style.visibility</p:attrName>
@@ -13476,7 +14325,7 @@
                                           </p:stCondLst>
                                         </p:cTn>
                                         <p:tgtEl>
-                                          <p:spTgt spid="226"/>
+                                          <p:spTgt spid="230"/>
                                         </p:tgtEl>
                                         <p:attrNameLst>
                                           <p:attrName>style.visibility</p:attrName>
@@ -13490,7 +14339,7 @@
                                       <p:cBhvr>
                                         <p:cTn dur="300"/>
                                         <p:tgtEl>
-                                          <p:spTgt spid="226"/>
+                                          <p:spTgt spid="230"/>
                                         </p:tgtEl>
                                       </p:cBhvr>
                                     </p:animEffect>
@@ -13529,7 +14378,7 @@
                                           </p:stCondLst>
                                         </p:cTn>
                                         <p:tgtEl>
-                                          <p:spTgt spid="227"/>
+                                          <p:spTgt spid="231"/>
                                         </p:tgtEl>
                                         <p:attrNameLst>
                                           <p:attrName>style.visibility</p:attrName>
@@ -13543,7 +14392,7 @@
                                       <p:cBhvr>
                                         <p:cTn dur="300"/>
                                         <p:tgtEl>
-                                          <p:spTgt spid="227"/>
+                                          <p:spTgt spid="231"/>
                                         </p:tgtEl>
                                       </p:cBhvr>
                                     </p:animEffect>
@@ -14004,7 +14853,7 @@
   <p:cSld>
     <p:spTree>
       <p:nvGrpSpPr>
-        <p:cNvPr id="231" name="Shape 231"/>
+        <p:cNvPr id="235" name="Shape 235"/>
         <p:cNvGrpSpPr/>
         <p:nvPr/>
       </p:nvGrpSpPr>
@@ -14018,7 +14867,7 @@
       </p:grpSpPr>
       <p:sp>
         <p:nvSpPr>
-          <p:cNvPr id="232" name="Google Shape;232;p32"/>
+          <p:cNvPr id="236" name="Google Shape;236;p32"/>
           <p:cNvSpPr txBox="1"/>
           <p:nvPr>
             <p:ph type="title"/>
@@ -14058,7 +14907,7 @@
       </p:sp>
       <p:sp>
         <p:nvSpPr>
-          <p:cNvPr id="233" name="Google Shape;233;p32"/>
+          <p:cNvPr id="237" name="Google Shape;237;p32"/>
           <p:cNvSpPr txBox="1"/>
           <p:nvPr>
             <p:ph idx="12" type="sldNum"/>
@@ -14114,7 +14963,7 @@
       </p:sp>
       <p:pic>
         <p:nvPicPr>
-          <p:cNvPr id="234" name="Google Shape;234;p32"/>
+          <p:cNvPr id="238" name="Google Shape;238;p32"/>
           <p:cNvPicPr preferRelativeResize="0"/>
           <p:nvPr/>
         </p:nvPicPr>
@@ -14142,7 +14991,7 @@
       </p:pic>
       <p:sp>
         <p:nvSpPr>
-          <p:cNvPr id="235" name="Google Shape;235;p32"/>
+          <p:cNvPr id="239" name="Google Shape;239;p32"/>
           <p:cNvSpPr txBox="1"/>
           <p:nvPr/>
         </p:nvSpPr>
@@ -14224,7 +15073,7 @@
       </p:sp>
       <p:sp>
         <p:nvSpPr>
-          <p:cNvPr id="236" name="Google Shape;236;p32"/>
+          <p:cNvPr id="240" name="Google Shape;240;p32"/>
           <p:cNvSpPr txBox="1"/>
           <p:nvPr/>
         </p:nvSpPr>
@@ -14331,7 +15180,7 @@
       </p:sp>
       <p:sp>
         <p:nvSpPr>
-          <p:cNvPr id="237" name="Google Shape;237;p32"/>
+          <p:cNvPr id="241" name="Google Shape;241;p32"/>
           <p:cNvSpPr txBox="1"/>
           <p:nvPr/>
         </p:nvSpPr>
@@ -14406,7 +15255,7 @@
       </p:sp>
       <p:sp>
         <p:nvSpPr>
-          <p:cNvPr id="238" name="Google Shape;238;p32"/>
+          <p:cNvPr id="242" name="Google Shape;242;p32"/>
           <p:cNvSpPr txBox="1"/>
           <p:nvPr/>
         </p:nvSpPr>
@@ -14506,7 +15355,7 @@
                                           </p:stCondLst>
                                         </p:cTn>
                                         <p:tgtEl>
-                                          <p:spTgt spid="236"/>
+                                          <p:spTgt spid="240"/>
                                         </p:tgtEl>
                                         <p:attrNameLst>
                                           <p:attrName>style.visibility</p:attrName>
@@ -14520,7 +15369,7 @@
                                       <p:cBhvr>
                                         <p:cTn dur="300"/>
                                         <p:tgtEl>
-                                          <p:spTgt spid="236"/>
+                                          <p:spTgt spid="240"/>
                                         </p:tgtEl>
                                       </p:cBhvr>
                                     </p:animEffect>
@@ -14559,7 +15408,7 @@
                                           </p:stCondLst>
                                         </p:cTn>
                                         <p:tgtEl>
-                                          <p:spTgt spid="237"/>
+                                          <p:spTgt spid="241"/>
                                         </p:tgtEl>
                                         <p:attrNameLst>
                                           <p:attrName>style.visibility</p:attrName>
@@ -14573,7 +15422,7 @@
                                       <p:cBhvr>
                                         <p:cTn dur="300"/>
                                         <p:tgtEl>
-                                          <p:spTgt spid="237"/>
+                                          <p:spTgt spid="241"/>
                                         </p:tgtEl>
                                       </p:cBhvr>
                                     </p:animEffect>
@@ -14612,7 +15461,7 @@
                                           </p:stCondLst>
                                         </p:cTn>
                                         <p:tgtEl>
-                                          <p:spTgt spid="238"/>
+                                          <p:spTgt spid="242"/>
                                         </p:tgtEl>
                                         <p:attrNameLst>
                                           <p:attrName>style.visibility</p:attrName>
@@ -14626,7 +15475,7 @@
                                       <p:cBhvr>
                                         <p:cTn dur="300"/>
                                         <p:tgtEl>
-                                          <p:spTgt spid="238"/>
+                                          <p:spTgt spid="242"/>
                                         </p:tgtEl>
                                       </p:cBhvr>
                                     </p:animEffect>
@@ -14665,7 +15514,7 @@
                                           </p:stCondLst>
                                         </p:cTn>
                                         <p:tgtEl>
-                                          <p:spTgt spid="235"/>
+                                          <p:spTgt spid="239"/>
                                         </p:tgtEl>
                                         <p:attrNameLst>
                                           <p:attrName>style.visibility</p:attrName>
@@ -14679,7 +15528,7 @@
                                       <p:cBhvr>
                                         <p:cTn dur="1000"/>
                                         <p:tgtEl>
-                                          <p:spTgt spid="235"/>
+                                          <p:spTgt spid="239"/>
                                         </p:tgtEl>
                                       </p:cBhvr>
                                     </p:animEffect>
@@ -14874,7 +15723,7 @@
             </a:pPr>
             <a:r>
               <a:rPr lang="de"/>
-              <a:t>Warum möchte man </a:t>
+              <a:t>Wozu benötigt man </a:t>
             </a:r>
             <a:r>
               <a:rPr i="1" lang="de"/>
@@ -15225,7 +16074,11 @@
             </a:pPr>
             <a:r>
               <a:rPr lang="de"/>
-              <a:t>Warum möchte man </a:t>
+              <a:t>Wozu benötigt</a:t>
+            </a:r>
+            <a:r>
+              <a:rPr lang="de"/>
+              <a:t> man </a:t>
             </a:r>
             <a:r>
               <a:rPr i="1" lang="de"/>
@@ -15331,7 +16184,7 @@
         </p:nvSpPr>
         <p:spPr>
           <a:xfrm>
-            <a:off x="5796675" y="1414425"/>
+            <a:off x="5866650" y="1452875"/>
             <a:ext cx="3532200" cy="1817700"/>
           </a:xfrm>
           <a:prstGeom prst="rect">
@@ -16098,7 +16951,19 @@
                 <a:cs typeface="Georgia"/>
                 <a:sym typeface="Georgia"/>
               </a:rPr>
-              <a:t>mehr Schichten</a:t>
+              <a:t>m</a:t>
+            </a:r>
+            <a:r>
+              <a:rPr b="1" lang="de" sz="2400">
+                <a:solidFill>
+                  <a:schemeClr val="accent3"/>
+                </a:solidFill>
+                <a:latin typeface="Georgia"/>
+                <a:ea typeface="Georgia"/>
+                <a:cs typeface="Georgia"/>
+                <a:sym typeface="Georgia"/>
+              </a:rPr>
+              <a:t>ehr Schichten</a:t>
             </a:r>
             <a:r>
               <a:rPr b="1" lang="de" sz="2400">
@@ -17383,7 +18248,7 @@
         </p:nvSpPr>
         <p:spPr>
           <a:xfrm>
-            <a:off x="5233675" y="1265000"/>
+            <a:off x="5273850" y="856425"/>
             <a:ext cx="3198600" cy="682500"/>
           </a:xfrm>
           <a:prstGeom prst="rect">
@@ -17419,7 +18284,7 @@
                 <a:cs typeface="Georgia"/>
                 <a:sym typeface="Georgia"/>
               </a:rPr>
-              <a:t>Initiale Parameter sind </a:t>
+              <a:t>Initiale Parameter sind zufällig </a:t>
             </a:r>
             <a:r>
               <a:rPr lang="de" sz="1600">
@@ -17477,7 +18342,7 @@
         </p:nvSpPr>
         <p:spPr>
           <a:xfrm>
-            <a:off x="5048250" y="2121750"/>
+            <a:off x="5048263" y="1709925"/>
             <a:ext cx="3727800" cy="900000"/>
           </a:xfrm>
           <a:prstGeom prst="rect">
@@ -17599,7 +18464,7 @@
         </p:blipFill>
         <p:spPr>
           <a:xfrm>
-            <a:off x="6350136" y="3553050"/>
+            <a:off x="6350136" y="3185625"/>
             <a:ext cx="1124075" cy="1061950"/>
           </a:xfrm>
           <a:prstGeom prst="rect">
@@ -17619,7 +18484,7 @@
         </p:nvSpPr>
         <p:spPr>
           <a:xfrm>
-            <a:off x="6566550" y="4615000"/>
+            <a:off x="6566550" y="4247575"/>
             <a:ext cx="691200" cy="355800"/>
           </a:xfrm>
           <a:prstGeom prst="rect">
@@ -17660,6 +18525,174 @@
             <a:endParaRPr sz="1100">
               <a:solidFill>
                 <a:schemeClr val="dk2"/>
+              </a:solidFill>
+              <a:latin typeface="Georgia"/>
+              <a:ea typeface="Georgia"/>
+              <a:cs typeface="Georgia"/>
+              <a:sym typeface="Georgia"/>
+            </a:endParaRPr>
+          </a:p>
+        </p:txBody>
+      </p:sp>
+      <p:sp>
+        <p:nvSpPr>
+          <p:cNvPr id="121" name="Google Shape;121;p20"/>
+          <p:cNvSpPr txBox="1"/>
+          <p:nvPr/>
+        </p:nvSpPr>
+        <p:spPr>
+          <a:xfrm>
+            <a:off x="5646850" y="2489750"/>
+            <a:ext cx="2925600" cy="402300"/>
+          </a:xfrm>
+          <a:prstGeom prst="rect">
+            <a:avLst/>
+          </a:prstGeom>
+          <a:noFill/>
+          <a:ln>
+            <a:noFill/>
+          </a:ln>
+        </p:spPr>
+        <p:txBody>
+          <a:bodyPr anchorCtr="0" anchor="t" bIns="91425" lIns="91425" spcFirstLastPara="1" rIns="91425" wrap="square" tIns="91425">
+            <a:spAutoFit/>
+          </a:bodyPr>
+          <a:lstStyle/>
+          <a:p>
+            <a:pPr indent="0" lvl="0" marL="0" rtl="0" algn="l">
+              <a:spcBef>
+                <a:spcPts val="0"/>
+              </a:spcBef>
+              <a:spcAft>
+                <a:spcPts val="0"/>
+              </a:spcAft>
+              <a:buNone/>
+            </a:pPr>
+            <a:r>
+              <a:rPr lang="de">
+                <a:solidFill>
+                  <a:schemeClr val="dk2"/>
+                </a:solidFill>
+                <a:latin typeface="Georgia"/>
+                <a:ea typeface="Georgia"/>
+                <a:cs typeface="Georgia"/>
+                <a:sym typeface="Georgia"/>
+              </a:rPr>
+              <a:t>→ solver findet keinen Weg dazu</a:t>
+            </a:r>
+            <a:endParaRPr>
+              <a:solidFill>
+                <a:schemeClr val="dk2"/>
+              </a:solidFill>
+              <a:latin typeface="Georgia"/>
+              <a:ea typeface="Georgia"/>
+              <a:cs typeface="Georgia"/>
+              <a:sym typeface="Georgia"/>
+            </a:endParaRPr>
+          </a:p>
+        </p:txBody>
+      </p:sp>
+      <p:cxnSp>
+        <p:nvCxnSpPr>
+          <p:cNvPr id="122" name="Google Shape;122;p20"/>
+          <p:cNvCxnSpPr/>
+          <p:nvPr/>
+        </p:nvCxnSpPr>
+        <p:spPr>
+          <a:xfrm flipH="1" rot="10800000">
+            <a:off x="3556775" y="4893400"/>
+            <a:ext cx="421200" cy="27000"/>
+          </a:xfrm>
+          <a:prstGeom prst="straightConnector1">
+            <a:avLst/>
+          </a:prstGeom>
+          <a:noFill/>
+          <a:ln cap="flat" cmpd="sng" w="19050">
+            <a:solidFill>
+              <a:srgbClr val="FF0000"/>
+            </a:solidFill>
+            <a:prstDash val="solid"/>
+            <a:round/>
+            <a:headEnd len="med" w="med" type="none"/>
+            <a:tailEnd len="med" w="med" type="none"/>
+          </a:ln>
+        </p:spPr>
+      </p:cxnSp>
+      <p:cxnSp>
+        <p:nvCxnSpPr>
+          <p:cNvPr id="123" name="Google Shape;123;p20"/>
+          <p:cNvCxnSpPr/>
+          <p:nvPr/>
+        </p:nvCxnSpPr>
+        <p:spPr>
+          <a:xfrm rot="10800000">
+            <a:off x="4121275" y="4866700"/>
+            <a:ext cx="1030500" cy="53700"/>
+          </a:xfrm>
+          <a:prstGeom prst="straightConnector1">
+            <a:avLst/>
+          </a:prstGeom>
+          <a:noFill/>
+          <a:ln cap="flat" cmpd="sng" w="28575">
+            <a:solidFill>
+              <a:schemeClr val="dk1"/>
+            </a:solidFill>
+            <a:prstDash val="solid"/>
+            <a:round/>
+            <a:headEnd len="med" w="med" type="none"/>
+            <a:tailEnd len="med" w="med" type="triangle"/>
+          </a:ln>
+        </p:spPr>
+      </p:cxnSp>
+      <p:sp>
+        <p:nvSpPr>
+          <p:cNvPr id="124" name="Google Shape;124;p20"/>
+          <p:cNvSpPr txBox="1"/>
+          <p:nvPr/>
+        </p:nvSpPr>
+        <p:spPr>
+          <a:xfrm>
+            <a:off x="5172463" y="4741200"/>
+            <a:ext cx="3279300" cy="402300"/>
+          </a:xfrm>
+          <a:prstGeom prst="rect">
+            <a:avLst/>
+          </a:prstGeom>
+          <a:noFill/>
+          <a:ln>
+            <a:noFill/>
+          </a:ln>
+        </p:spPr>
+        <p:txBody>
+          <a:bodyPr anchorCtr="0" anchor="t" bIns="91425" lIns="91425" spcFirstLastPara="1" rIns="91425" wrap="square" tIns="91425">
+            <a:spAutoFit/>
+          </a:bodyPr>
+          <a:lstStyle/>
+          <a:p>
+            <a:pPr indent="0" lvl="0" marL="0" rtl="0" algn="l">
+              <a:spcBef>
+                <a:spcPts val="0"/>
+              </a:spcBef>
+              <a:spcAft>
+                <a:spcPts val="0"/>
+              </a:spcAft>
+              <a:buNone/>
+            </a:pPr>
+            <a:r>
+              <a:rPr lang="de">
+                <a:solidFill>
+                  <a:schemeClr val="dk1"/>
+                </a:solidFill>
+                <a:latin typeface="Georgia"/>
+                <a:ea typeface="Georgia"/>
+                <a:cs typeface="Georgia"/>
+                <a:sym typeface="Georgia"/>
+              </a:rPr>
+              <a:t>schaden eventuell der Performance</a:t>
+            </a:r>
+            <a:endParaRPr>
+              <a:solidFill>
+                <a:schemeClr val="dk1"/>
               </a:solidFill>
               <a:latin typeface="Georgia"/>
               <a:ea typeface="Georgia"/>
@@ -17782,6 +18815,41 @@
                                   </p:childTnLst>
                                 </p:cTn>
                               </p:par>
+                              <p:par>
+                                <p:cTn fill="hold" nodeType="withEffect" presetClass="entr" presetID="10" presetSubtype="0">
+                                  <p:stCondLst>
+                                    <p:cond delay="0"/>
+                                  </p:stCondLst>
+                                  <p:childTnLst>
+                                    <p:set>
+                                      <p:cBhvr>
+                                        <p:cTn dur="1" fill="hold">
+                                          <p:stCondLst>
+                                            <p:cond delay="0"/>
+                                          </p:stCondLst>
+                                        </p:cTn>
+                                        <p:tgtEl>
+                                          <p:spTgt spid="121"/>
+                                        </p:tgtEl>
+                                        <p:attrNameLst>
+                                          <p:attrName>style.visibility</p:attrName>
+                                        </p:attrNameLst>
+                                      </p:cBhvr>
+                                      <p:to>
+                                        <p:strVal val="visible"/>
+                                      </p:to>
+                                    </p:set>
+                                    <p:animEffect filter="fade" transition="in">
+                                      <p:cBhvr>
+                                        <p:cTn dur="1000"/>
+                                        <p:tgtEl>
+                                          <p:spTgt spid="121"/>
+                                        </p:tgtEl>
+                                      </p:cBhvr>
+                                    </p:animEffect>
+                                  </p:childTnLst>
+                                </p:cTn>
+                              </p:par>
                             </p:childTnLst>
                           </p:cTn>
                         </p:par>
@@ -17876,6 +18944,129 @@
                       </p:childTnLst>
                     </p:cTn>
                   </p:par>
+                  <p:par>
+                    <p:cTn fill="hold">
+                      <p:stCondLst>
+                        <p:cond delay="indefinite"/>
+                      </p:stCondLst>
+                      <p:childTnLst>
+                        <p:par>
+                          <p:cTn fill="hold">
+                            <p:stCondLst>
+                              <p:cond delay="0"/>
+                            </p:stCondLst>
+                            <p:childTnLst>
+                              <p:par>
+                                <p:cTn fill="hold" nodeType="clickEffect" presetClass="entr" presetID="10" presetSubtype="0">
+                                  <p:stCondLst>
+                                    <p:cond delay="0"/>
+                                  </p:stCondLst>
+                                  <p:childTnLst>
+                                    <p:set>
+                                      <p:cBhvr>
+                                        <p:cTn dur="1" fill="hold">
+                                          <p:stCondLst>
+                                            <p:cond delay="0"/>
+                                          </p:stCondLst>
+                                        </p:cTn>
+                                        <p:tgtEl>
+                                          <p:spTgt spid="122"/>
+                                        </p:tgtEl>
+                                        <p:attrNameLst>
+                                          <p:attrName>style.visibility</p:attrName>
+                                        </p:attrNameLst>
+                                      </p:cBhvr>
+                                      <p:to>
+                                        <p:strVal val="visible"/>
+                                      </p:to>
+                                    </p:set>
+                                    <p:animEffect filter="fade" transition="in">
+                                      <p:cBhvr>
+                                        <p:cTn dur="1000"/>
+                                        <p:tgtEl>
+                                          <p:spTgt spid="122"/>
+                                        </p:tgtEl>
+                                      </p:cBhvr>
+                                    </p:animEffect>
+                                  </p:childTnLst>
+                                </p:cTn>
+                              </p:par>
+                              <p:par>
+                                <p:cTn fill="hold" nodeType="withEffect" presetClass="entr" presetID="10" presetSubtype="0">
+                                  <p:stCondLst>
+                                    <p:cond delay="0"/>
+                                  </p:stCondLst>
+                                  <p:childTnLst>
+                                    <p:set>
+                                      <p:cBhvr>
+                                        <p:cTn dur="1" fill="hold">
+                                          <p:stCondLst>
+                                            <p:cond delay="0"/>
+                                          </p:stCondLst>
+                                        </p:cTn>
+                                        <p:tgtEl>
+                                          <p:spTgt spid="123"/>
+                                        </p:tgtEl>
+                                        <p:attrNameLst>
+                                          <p:attrName>style.visibility</p:attrName>
+                                        </p:attrNameLst>
+                                      </p:cBhvr>
+                                      <p:to>
+                                        <p:strVal val="visible"/>
+                                      </p:to>
+                                    </p:set>
+                                    <p:animEffect filter="fade" transition="in">
+                                      <p:cBhvr>
+                                        <p:cTn dur="1000"/>
+                                        <p:tgtEl>
+                                          <p:spTgt spid="123"/>
+                                        </p:tgtEl>
+                                      </p:cBhvr>
+                                    </p:animEffect>
+                                  </p:childTnLst>
+                                </p:cTn>
+                              </p:par>
+                              <p:par>
+                                <p:cTn fill="hold" nodeType="withEffect" presetClass="entr" presetID="10" presetSubtype="0">
+                                  <p:stCondLst>
+                                    <p:cond delay="0"/>
+                                  </p:stCondLst>
+                                  <p:childTnLst>
+                                    <p:set>
+                                      <p:cBhvr>
+                                        <p:cTn dur="1" fill="hold">
+                                          <p:stCondLst>
+                                            <p:cond delay="0"/>
+                                          </p:stCondLst>
+                                        </p:cTn>
+                                        <p:tgtEl>
+                                          <p:spTgt spid="124"/>
+                                        </p:tgtEl>
+                                        <p:attrNameLst>
+                                          <p:attrName>style.visibility</p:attrName>
+                                        </p:attrNameLst>
+                                      </p:cBhvr>
+                                      <p:to>
+                                        <p:strVal val="visible"/>
+                                      </p:to>
+                                    </p:set>
+                                    <p:animEffect filter="fade" transition="in">
+                                      <p:cBhvr>
+                                        <p:cTn dur="1000"/>
+                                        <p:tgtEl>
+                                          <p:spTgt spid="124"/>
+                                        </p:tgtEl>
+                                      </p:cBhvr>
+                                    </p:animEffect>
+                                  </p:childTnLst>
+                                </p:cTn>
+                              </p:par>
+                            </p:childTnLst>
+                          </p:cTn>
+                        </p:par>
+                      </p:childTnLst>
+                    </p:cTn>
+                  </p:par>
                 </p:childTnLst>
               </p:cTn>
               <p:prevCondLst>
@@ -17906,7 +19097,7 @@
   <p:cSld>
     <p:spTree>
       <p:nvGrpSpPr>
-        <p:cNvPr id="124" name="Shape 124"/>
+        <p:cNvPr id="128" name="Shape 128"/>
         <p:cNvGrpSpPr/>
         <p:nvPr/>
       </p:nvGrpSpPr>
@@ -17920,7 +19111,7 @@
       </p:grpSpPr>
       <p:sp>
         <p:nvSpPr>
-          <p:cNvPr id="125" name="Google Shape;125;p21"/>
+          <p:cNvPr id="129" name="Google Shape;129;p21"/>
           <p:cNvSpPr txBox="1"/>
           <p:nvPr>
             <p:ph type="title"/>
@@ -17961,7 +19152,7 @@
       </p:sp>
       <p:sp>
         <p:nvSpPr>
-          <p:cNvPr id="126" name="Google Shape;126;p21"/>
+          <p:cNvPr id="130" name="Google Shape;130;p21"/>
           <p:cNvSpPr txBox="1"/>
           <p:nvPr>
             <p:ph idx="12" type="sldNum"/>
@@ -18008,6 +19199,285 @@
 </file>
 
 <file path=ppt/theme/theme1.xml><?xml version="1.0" encoding="utf-8"?>
+<a:theme xmlns:a="http://schemas.openxmlformats.org/drawingml/2006/main" xmlns:r="http://schemas.openxmlformats.org/officeDocument/2006/relationships">
+  <a:themeElements>
+    <a:clrScheme name="Default">
+      <a:dk1>
+        <a:srgbClr val="000000"/>
+      </a:dk1>
+      <a:lt1>
+        <a:srgbClr val="FFFFFF"/>
+      </a:lt1>
+      <a:dk2>
+        <a:srgbClr val="158158"/>
+      </a:dk2>
+      <a:lt2>
+        <a:srgbClr val="F3F3F3"/>
+      </a:lt2>
+      <a:accent1>
+        <a:srgbClr val="058DC7"/>
+      </a:accent1>
+      <a:accent2>
+        <a:srgbClr val="50B432"/>
+      </a:accent2>
+      <a:accent3>
+        <a:srgbClr val="ED561B"/>
+      </a:accent3>
+      <a:accent4>
+        <a:srgbClr val="EDEF00"/>
+      </a:accent4>
+      <a:accent5>
+        <a:srgbClr val="24CBE5"/>
+      </a:accent5>
+      <a:accent6>
+        <a:srgbClr val="64E572"/>
+      </a:accent6>
+      <a:hlink>
+        <a:srgbClr val="2200CC"/>
+      </a:hlink>
+      <a:folHlink>
+        <a:srgbClr val="551A8B"/>
+      </a:folHlink>
+    </a:clrScheme>
+    <a:fontScheme name="Office">
+      <a:majorFont>
+        <a:latin typeface="Arial"/>
+        <a:ea typeface=""/>
+        <a:cs typeface=""/>
+        <a:font script="Jpan" typeface="ＭＳ Ｐゴシック"/>
+        <a:font script="Hang" typeface="맑은 고딕"/>
+        <a:font script="Hans" typeface="宋体"/>
+        <a:font script="Hant" typeface="新細明體"/>
+        <a:font script="Arab" typeface="Times New Roman"/>
+        <a:font script="Hebr" typeface="Times New Roman"/>
+        <a:font script="Thai" typeface="Angsana New"/>
+        <a:font script="Ethi" typeface="Nyala"/>
+        <a:font script="Beng" typeface="Vrinda"/>
+        <a:font script="Gujr" typeface="Shruti"/>
+        <a:font script="Khmr" typeface="MoolBoran"/>
+        <a:font script="Knda" typeface="Tunga"/>
+        <a:font script="Guru" typeface="Raavi"/>
+        <a:font script="Cans" typeface="Euphemia"/>
+        <a:font script="Cher" typeface="Plantagenet Cherokee"/>
+        <a:font script="Yiii" typeface="Microsoft Yi Baiti"/>
+        <a:font script="Tibt" typeface="Microsoft Himalaya"/>
+        <a:font script="Thaa" typeface="MV Boli"/>
+        <a:font script="Deva" typeface="Mangal"/>
+        <a:font script="Telu" typeface="Gautami"/>
+        <a:font script="Taml" typeface="Latha"/>
+        <a:font script="Syrc" typeface="Estrangelo Edessa"/>
+        <a:font script="Orya" typeface="Kalinga"/>
+        <a:font script="Mlym" typeface="Kartika"/>
+        <a:font script="Laoo" typeface="DokChampa"/>
+        <a:font script="Sinh" typeface="Iskoola Pota"/>
+        <a:font script="Mong" typeface="Mongolian Baiti"/>
+        <a:font script="Viet" typeface="Times New Roman"/>
+        <a:font script="Uigh" typeface="Microsoft Uighur"/>
+        <a:font script="Geor" typeface="Sylfaen"/>
+      </a:majorFont>
+      <a:minorFont>
+        <a:latin typeface="Arial"/>
+        <a:ea typeface=""/>
+        <a:cs typeface=""/>
+        <a:font script="Jpan" typeface="ＭＳ Ｐゴシック"/>
+        <a:font script="Hang" typeface="맑은 고딕"/>
+        <a:font script="Hans" typeface="宋体"/>
+        <a:font script="Hant" typeface="新細明體"/>
+        <a:font script="Arab" typeface="Arial"/>
+        <a:font script="Hebr" typeface="Arial"/>
+        <a:font script="Thai" typeface="Cordia New"/>
+        <a:font script="Ethi" typeface="Nyala"/>
+        <a:font script="Beng" typeface="Vrinda"/>
+        <a:font script="Gujr" typeface="Shruti"/>
+        <a:font script="Khmr" typeface="DaunPenh"/>
+        <a:font script="Knda" typeface="Tunga"/>
+        <a:font script="Guru" typeface="Raavi"/>
+        <a:font script="Cans" typeface="Euphemia"/>
+        <a:font script="Cher" typeface="Plantagenet Cherokee"/>
+        <a:font script="Yiii" typeface="Microsoft Yi Baiti"/>
+        <a:font script="Tibt" typeface="Microsoft Himalaya"/>
+        <a:font script="Thaa" typeface="MV Boli"/>
+        <a:font script="Deva" typeface="Mangal"/>
+        <a:font script="Telu" typeface="Gautami"/>
+        <a:font script="Taml" typeface="Latha"/>
+        <a:font script="Syrc" typeface="Estrangelo Edessa"/>
+        <a:font script="Orya" typeface="Kalinga"/>
+        <a:font script="Mlym" typeface="Kartika"/>
+        <a:font script="Laoo" typeface="DokChampa"/>
+        <a:font script="Sinh" typeface="Iskoola Pota"/>
+        <a:font script="Mong" typeface="Mongolian Baiti"/>
+        <a:font script="Viet" typeface="Arial"/>
+        <a:font script="Uigh" typeface="Microsoft Uighur"/>
+        <a:font script="Geor" typeface="Sylfaen"/>
+      </a:minorFont>
+    </a:fontScheme>
+    <a:fmtScheme name="Office">
+      <a:fillStyleLst>
+        <a:solidFill>
+          <a:schemeClr val="phClr"/>
+        </a:solidFill>
+        <a:gradFill rotWithShape="1">
+          <a:gsLst>
+            <a:gs pos="0">
+              <a:schemeClr val="phClr">
+                <a:tint val="50000"/>
+                <a:satMod val="300000"/>
+              </a:schemeClr>
+            </a:gs>
+            <a:gs pos="35000">
+              <a:schemeClr val="phClr">
+                <a:tint val="37000"/>
+                <a:satMod val="300000"/>
+              </a:schemeClr>
+            </a:gs>
+            <a:gs pos="100000">
+              <a:schemeClr val="phClr">
+                <a:tint val="15000"/>
+                <a:satMod val="350000"/>
+              </a:schemeClr>
+            </a:gs>
+          </a:gsLst>
+          <a:lin ang="16200000" scaled="1"/>
+        </a:gradFill>
+        <a:gradFill rotWithShape="1">
+          <a:gsLst>
+            <a:gs pos="0">
+              <a:schemeClr val="phClr">
+                <a:tint val="100000"/>
+                <a:shade val="100000"/>
+                <a:satMod val="130000"/>
+              </a:schemeClr>
+            </a:gs>
+            <a:gs pos="100000">
+              <a:schemeClr val="phClr">
+                <a:tint val="50000"/>
+                <a:shade val="100000"/>
+                <a:satMod val="350000"/>
+              </a:schemeClr>
+            </a:gs>
+          </a:gsLst>
+          <a:lin ang="16200000" scaled="0"/>
+        </a:gradFill>
+      </a:fillStyleLst>
+      <a:lnStyleLst>
+        <a:ln w="9525" cap="flat" cmpd="sng" algn="ctr">
+          <a:solidFill>
+            <a:schemeClr val="phClr">
+              <a:shade val="95000"/>
+              <a:satMod val="105000"/>
+            </a:schemeClr>
+          </a:solidFill>
+          <a:prstDash val="solid"/>
+        </a:ln>
+        <a:ln w="25400" cap="flat" cmpd="sng" algn="ctr">
+          <a:solidFill>
+            <a:schemeClr val="phClr"/>
+          </a:solidFill>
+          <a:prstDash val="solid"/>
+        </a:ln>
+        <a:ln w="38100" cap="flat" cmpd="sng" algn="ctr">
+          <a:solidFill>
+            <a:schemeClr val="phClr"/>
+          </a:solidFill>
+          <a:prstDash val="solid"/>
+        </a:ln>
+      </a:lnStyleLst>
+      <a:effectStyleLst>
+        <a:effectStyle>
+          <a:effectLst>
+            <a:outerShdw blurRad="40000" dist="20000" dir="5400000" rotWithShape="0">
+              <a:srgbClr val="000000">
+                <a:alpha val="38000"/>
+              </a:srgbClr>
+            </a:outerShdw>
+          </a:effectLst>
+        </a:effectStyle>
+        <a:effectStyle>
+          <a:effectLst>
+            <a:outerShdw blurRad="40000" dist="23000" dir="5400000" rotWithShape="0">
+              <a:srgbClr val="000000">
+                <a:alpha val="35000"/>
+              </a:srgbClr>
+            </a:outerShdw>
+          </a:effectLst>
+        </a:effectStyle>
+        <a:effectStyle>
+          <a:effectLst>
+            <a:outerShdw blurRad="40000" dist="23000" dir="5400000" rotWithShape="0">
+              <a:srgbClr val="000000">
+                <a:alpha val="35000"/>
+              </a:srgbClr>
+            </a:outerShdw>
+          </a:effectLst>
+          <a:scene3d>
+            <a:camera prst="orthographicFront">
+              <a:rot lat="0" lon="0" rev="0"/>
+            </a:camera>
+            <a:lightRig rig="threePt" dir="t">
+              <a:rot lat="0" lon="0" rev="1200000"/>
+            </a:lightRig>
+          </a:scene3d>
+          <a:sp3d>
+            <a:bevelT w="63500" h="25400"/>
+          </a:sp3d>
+        </a:effectStyle>
+      </a:effectStyleLst>
+      <a:bgFillStyleLst>
+        <a:solidFill>
+          <a:schemeClr val="phClr"/>
+        </a:solidFill>
+        <a:gradFill rotWithShape="1">
+          <a:gsLst>
+            <a:gs pos="0">
+              <a:schemeClr val="phClr">
+                <a:tint val="40000"/>
+                <a:satMod val="350000"/>
+              </a:schemeClr>
+            </a:gs>
+            <a:gs pos="40000">
+              <a:schemeClr val="phClr">
+                <a:tint val="45000"/>
+                <a:shade val="99000"/>
+                <a:satMod val="350000"/>
+              </a:schemeClr>
+            </a:gs>
+            <a:gs pos="100000">
+              <a:schemeClr val="phClr">
+                <a:shade val="20000"/>
+                <a:satMod val="255000"/>
+              </a:schemeClr>
+            </a:gs>
+          </a:gsLst>
+          <a:path path="circle">
+            <a:fillToRect l="50000" t="-80000" r="50000" b="180000"/>
+          </a:path>
+        </a:gradFill>
+        <a:gradFill rotWithShape="1">
+          <a:gsLst>
+            <a:gs pos="0">
+              <a:schemeClr val="phClr">
+                <a:tint val="80000"/>
+                <a:satMod val="300000"/>
+              </a:schemeClr>
+            </a:gs>
+            <a:gs pos="100000">
+              <a:schemeClr val="phClr">
+                <a:shade val="30000"/>
+                <a:satMod val="200000"/>
+              </a:schemeClr>
+            </a:gs>
+          </a:gsLst>
+          <a:path path="circle">
+            <a:fillToRect l="50000" t="50000" r="50000" b="50000"/>
+          </a:path>
+        </a:gradFill>
+      </a:bgFillStyleLst>
+    </a:fmtScheme>
+  </a:themeElements>
+</a:theme>
+</file>
+
+<file path=ppt/theme/theme2.xml><?xml version="1.0" encoding="utf-8"?>
 <a:theme xmlns:a="http://schemas.openxmlformats.org/drawingml/2006/main" xmlns:r="http://schemas.openxmlformats.org/officeDocument/2006/relationships" name="Gameday">
   <a:themeElements>
     <a:clrScheme name="Gameday">
@@ -18284,283 +19754,4 @@
     </a:fmtScheme>
   </a:themeElements>
 </a:theme>
-</file>
-
-<file path=ppt/theme/theme2.xml><?xml version="1.0" encoding="utf-8"?>
-<a:theme xmlns:a="http://schemas.openxmlformats.org/drawingml/2006/main" xmlns:r="http://schemas.openxmlformats.org/officeDocument/2006/relationships">
-  <a:themeElements>
-    <a:clrScheme name="Default">
-      <a:dk1>
-        <a:srgbClr val="000000"/>
-      </a:dk1>
-      <a:lt1>
-        <a:srgbClr val="FFFFFF"/>
-      </a:lt1>
-      <a:dk2>
-        <a:srgbClr val="158158"/>
-      </a:dk2>
-      <a:lt2>
-        <a:srgbClr val="F3F3F3"/>
-      </a:lt2>
-      <a:accent1>
-        <a:srgbClr val="058DC7"/>
-      </a:accent1>
-      <a:accent2>
-        <a:srgbClr val="50B432"/>
-      </a:accent2>
-      <a:accent3>
-        <a:srgbClr val="ED561B"/>
-      </a:accent3>
-      <a:accent4>
-        <a:srgbClr val="EDEF00"/>
-      </a:accent4>
-      <a:accent5>
-        <a:srgbClr val="24CBE5"/>
-      </a:accent5>
-      <a:accent6>
-        <a:srgbClr val="64E572"/>
-      </a:accent6>
-      <a:hlink>
-        <a:srgbClr val="2200CC"/>
-      </a:hlink>
-      <a:folHlink>
-        <a:srgbClr val="551A8B"/>
-      </a:folHlink>
-    </a:clrScheme>
-    <a:fontScheme name="Office">
-      <a:majorFont>
-        <a:latin typeface="Arial"/>
-        <a:ea typeface=""/>
-        <a:cs typeface=""/>
-        <a:font script="Jpan" typeface="ＭＳ Ｐゴシック"/>
-        <a:font script="Hang" typeface="맑은 고딕"/>
-        <a:font script="Hans" typeface="宋体"/>
-        <a:font script="Hant" typeface="新細明體"/>
-        <a:font script="Arab" typeface="Times New Roman"/>
-        <a:font script="Hebr" typeface="Times New Roman"/>
-        <a:font script="Thai" typeface="Angsana New"/>
-        <a:font script="Ethi" typeface="Nyala"/>
-        <a:font script="Beng" typeface="Vrinda"/>
-        <a:font script="Gujr" typeface="Shruti"/>
-        <a:font script="Khmr" typeface="MoolBoran"/>
-        <a:font script="Knda" typeface="Tunga"/>
-        <a:font script="Guru" typeface="Raavi"/>
-        <a:font script="Cans" typeface="Euphemia"/>
-        <a:font script="Cher" typeface="Plantagenet Cherokee"/>
-        <a:font script="Yiii" typeface="Microsoft Yi Baiti"/>
-        <a:font script="Tibt" typeface="Microsoft Himalaya"/>
-        <a:font script="Thaa" typeface="MV Boli"/>
-        <a:font script="Deva" typeface="Mangal"/>
-        <a:font script="Telu" typeface="Gautami"/>
-        <a:font script="Taml" typeface="Latha"/>
-        <a:font script="Syrc" typeface="Estrangelo Edessa"/>
-        <a:font script="Orya" typeface="Kalinga"/>
-        <a:font script="Mlym" typeface="Kartika"/>
-        <a:font script="Laoo" typeface="DokChampa"/>
-        <a:font script="Sinh" typeface="Iskoola Pota"/>
-        <a:font script="Mong" typeface="Mongolian Baiti"/>
-        <a:font script="Viet" typeface="Times New Roman"/>
-        <a:font script="Uigh" typeface="Microsoft Uighur"/>
-        <a:font script="Geor" typeface="Sylfaen"/>
-      </a:majorFont>
-      <a:minorFont>
-        <a:latin typeface="Arial"/>
-        <a:ea typeface=""/>
-        <a:cs typeface=""/>
-        <a:font script="Jpan" typeface="ＭＳ Ｐゴシック"/>
-        <a:font script="Hang" typeface="맑은 고딕"/>
-        <a:font script="Hans" typeface="宋体"/>
-        <a:font script="Hant" typeface="新細明體"/>
-        <a:font script="Arab" typeface="Arial"/>
-        <a:font script="Hebr" typeface="Arial"/>
-        <a:font script="Thai" typeface="Cordia New"/>
-        <a:font script="Ethi" typeface="Nyala"/>
-        <a:font script="Beng" typeface="Vrinda"/>
-        <a:font script="Gujr" typeface="Shruti"/>
-        <a:font script="Khmr" typeface="DaunPenh"/>
-        <a:font script="Knda" typeface="Tunga"/>
-        <a:font script="Guru" typeface="Raavi"/>
-        <a:font script="Cans" typeface="Euphemia"/>
-        <a:font script="Cher" typeface="Plantagenet Cherokee"/>
-        <a:font script="Yiii" typeface="Microsoft Yi Baiti"/>
-        <a:font script="Tibt" typeface="Microsoft Himalaya"/>
-        <a:font script="Thaa" typeface="MV Boli"/>
-        <a:font script="Deva" typeface="Mangal"/>
-        <a:font script="Telu" typeface="Gautami"/>
-        <a:font script="Taml" typeface="Latha"/>
-        <a:font script="Syrc" typeface="Estrangelo Edessa"/>
-        <a:font script="Orya" typeface="Kalinga"/>
-        <a:font script="Mlym" typeface="Kartika"/>
-        <a:font script="Laoo" typeface="DokChampa"/>
-        <a:font script="Sinh" typeface="Iskoola Pota"/>
-        <a:font script="Mong" typeface="Mongolian Baiti"/>
-        <a:font script="Viet" typeface="Arial"/>
-        <a:font script="Uigh" typeface="Microsoft Uighur"/>
-        <a:font script="Geor" typeface="Sylfaen"/>
-      </a:minorFont>
-    </a:fontScheme>
-    <a:fmtScheme name="Office">
-      <a:fillStyleLst>
-        <a:solidFill>
-          <a:schemeClr val="phClr"/>
-        </a:solidFill>
-        <a:gradFill rotWithShape="1">
-          <a:gsLst>
-            <a:gs pos="0">
-              <a:schemeClr val="phClr">
-                <a:tint val="50000"/>
-                <a:satMod val="300000"/>
-              </a:schemeClr>
-            </a:gs>
-            <a:gs pos="35000">
-              <a:schemeClr val="phClr">
-                <a:tint val="37000"/>
-                <a:satMod val="300000"/>
-              </a:schemeClr>
-            </a:gs>
-            <a:gs pos="100000">
-              <a:schemeClr val="phClr">
-                <a:tint val="15000"/>
-                <a:satMod val="350000"/>
-              </a:schemeClr>
-            </a:gs>
-          </a:gsLst>
-          <a:lin ang="16200000" scaled="1"/>
-        </a:gradFill>
-        <a:gradFill rotWithShape="1">
-          <a:gsLst>
-            <a:gs pos="0">
-              <a:schemeClr val="phClr">
-                <a:tint val="100000"/>
-                <a:shade val="100000"/>
-                <a:satMod val="130000"/>
-              </a:schemeClr>
-            </a:gs>
-            <a:gs pos="100000">
-              <a:schemeClr val="phClr">
-                <a:tint val="50000"/>
-                <a:shade val="100000"/>
-                <a:satMod val="350000"/>
-              </a:schemeClr>
-            </a:gs>
-          </a:gsLst>
-          <a:lin ang="16200000" scaled="0"/>
-        </a:gradFill>
-      </a:fillStyleLst>
-      <a:lnStyleLst>
-        <a:ln w="9525" cap="flat" cmpd="sng" algn="ctr">
-          <a:solidFill>
-            <a:schemeClr val="phClr">
-              <a:shade val="95000"/>
-              <a:satMod val="105000"/>
-            </a:schemeClr>
-          </a:solidFill>
-          <a:prstDash val="solid"/>
-        </a:ln>
-        <a:ln w="25400" cap="flat" cmpd="sng" algn="ctr">
-          <a:solidFill>
-            <a:schemeClr val="phClr"/>
-          </a:solidFill>
-          <a:prstDash val="solid"/>
-        </a:ln>
-        <a:ln w="38100" cap="flat" cmpd="sng" algn="ctr">
-          <a:solidFill>
-            <a:schemeClr val="phClr"/>
-          </a:solidFill>
-          <a:prstDash val="solid"/>
-        </a:ln>
-      </a:lnStyleLst>
-      <a:effectStyleLst>
-        <a:effectStyle>
-          <a:effectLst>
-            <a:outerShdw blurRad="40000" dist="20000" dir="5400000" rotWithShape="0">
-              <a:srgbClr val="000000">
-                <a:alpha val="38000"/>
-              </a:srgbClr>
-            </a:outerShdw>
-          </a:effectLst>
-        </a:effectStyle>
-        <a:effectStyle>
-          <a:effectLst>
-            <a:outerShdw blurRad="40000" dist="23000" dir="5400000" rotWithShape="0">
-              <a:srgbClr val="000000">
-                <a:alpha val="35000"/>
-              </a:srgbClr>
-            </a:outerShdw>
-          </a:effectLst>
-        </a:effectStyle>
-        <a:effectStyle>
-          <a:effectLst>
-            <a:outerShdw blurRad="40000" dist="23000" dir="5400000" rotWithShape="0">
-              <a:srgbClr val="000000">
-                <a:alpha val="35000"/>
-              </a:srgbClr>
-            </a:outerShdw>
-          </a:effectLst>
-          <a:scene3d>
-            <a:camera prst="orthographicFront">
-              <a:rot lat="0" lon="0" rev="0"/>
-            </a:camera>
-            <a:lightRig rig="threePt" dir="t">
-              <a:rot lat="0" lon="0" rev="1200000"/>
-            </a:lightRig>
-          </a:scene3d>
-          <a:sp3d>
-            <a:bevelT w="63500" h="25400"/>
-          </a:sp3d>
-        </a:effectStyle>
-      </a:effectStyleLst>
-      <a:bgFillStyleLst>
-        <a:solidFill>
-          <a:schemeClr val="phClr"/>
-        </a:solidFill>
-        <a:gradFill rotWithShape="1">
-          <a:gsLst>
-            <a:gs pos="0">
-              <a:schemeClr val="phClr">
-                <a:tint val="40000"/>
-                <a:satMod val="350000"/>
-              </a:schemeClr>
-            </a:gs>
-            <a:gs pos="40000">
-              <a:schemeClr val="phClr">
-                <a:tint val="45000"/>
-                <a:shade val="99000"/>
-                <a:satMod val="350000"/>
-              </a:schemeClr>
-            </a:gs>
-            <a:gs pos="100000">
-              <a:schemeClr val="phClr">
-                <a:shade val="20000"/>
-                <a:satMod val="255000"/>
-              </a:schemeClr>
-            </a:gs>
-          </a:gsLst>
-          <a:path path="circle">
-            <a:fillToRect l="50000" t="-80000" r="50000" b="180000"/>
-          </a:path>
-        </a:gradFill>
-        <a:gradFill rotWithShape="1">
-          <a:gsLst>
-            <a:gs pos="0">
-              <a:schemeClr val="phClr">
-                <a:tint val="80000"/>
-                <a:satMod val="300000"/>
-              </a:schemeClr>
-            </a:gs>
-            <a:gs pos="100000">
-              <a:schemeClr val="phClr">
-                <a:shade val="30000"/>
-                <a:satMod val="200000"/>
-              </a:schemeClr>
-            </a:gs>
-          </a:gsLst>
-          <a:path path="circle">
-            <a:fillToRect l="50000" t="50000" r="50000" b="50000"/>
-          </a:path>
-        </a:gradFill>
-      </a:bgFillStyleLst>
-    </a:fmtScheme>
-  </a:themeElements>
-</a:theme>
 </file>